--- a/prezentacja io 1.pptx
+++ b/prezentacja io 1.pptx
@@ -138,6 +138,7 @@
   <p1510:revLst>
     <p1510:client id="{24F394B7-01BF-8A8F-96A6-86647909F8E8}" v="608" dt="2023-10-28T21:56:11.437"/>
     <p1510:client id="{AD9E0F1E-BB3F-47C4-8623-F0C08C03ACC3}" v="812" dt="2023-10-28T21:38:55.597"/>
+    <p1510:client id="{EDB80FED-B8F7-9B19-FE68-3B92F7F7E018}" v="347" dt="2023-11-08T21:15:10.807"/>
     <p1510:client id="{F8494884-FC79-B7F0-AEF4-7AB861DCCF4E}" v="148" dt="2023-10-28T21:56:05.027"/>
   </p1510:revLst>
 </p1510:revInfo>
@@ -237,7 +238,7 @@
           <a:p>
             <a:fld id="{B56F32FC-4BD9-442A-A8C6-51598C909FE3}" type="datetimeFigureOut">
               <a:rPr lang="en-US" smtClean="0"/>
-              <a:t>10/28/2023</a:t>
+              <a:t>11/8/2023</a:t>
             </a:fld>
             <a:endParaRPr lang="en-US"/>
           </a:p>
@@ -414,7 +415,7 @@
           <a:p>
             <a:fld id="{056371FA-A98D-41E8-93F4-09945841298A}" type="datetimeFigureOut">
               <a:rPr lang="en-US" smtClean="0"/>
-              <a:t>10/28/2023</a:t>
+              <a:t>11/8/2023</a:t>
             </a:fld>
             <a:endParaRPr lang="en-US"/>
           </a:p>
@@ -11770,7 +11771,7 @@
               </a:rPr>
               <a:t>:</a:t>
             </a:r>
-            <a:endParaRPr lang="pl-PL">
+            <a:endParaRPr lang="pl-PL" dirty="0">
               <a:latin typeface="Times"/>
               <a:cs typeface="Times"/>
             </a:endParaRPr>
@@ -11778,12 +11779,20 @@
           <a:p>
             <a:pPr algn="l"/>
             <a:r>
+              <a:rPr lang="en-US" dirty="0">
+                <a:latin typeface="Times"/>
+                <a:ea typeface="+mn-lt"/>
+                <a:cs typeface="+mn-lt"/>
+              </a:rPr>
+              <a:t>Project Manager: </a:t>
+            </a:r>
+            <a:r>
               <a:rPr lang="en-US" dirty="0" err="1">
                 <a:latin typeface="Times"/>
                 <a:ea typeface="+mn-lt"/>
                 <a:cs typeface="+mn-lt"/>
               </a:rPr>
-              <a:t>Projektanci</a:t>
+              <a:t>jedna</a:t>
             </a:r>
             <a:r>
               <a:rPr lang="en-US" dirty="0">
@@ -11791,7 +11800,7 @@
                 <a:ea typeface="+mn-lt"/>
                 <a:cs typeface="+mn-lt"/>
               </a:rPr>
-              <a:t> UI/UX: </a:t>
+              <a:t> </a:t>
             </a:r>
             <a:r>
               <a:rPr lang="en-US" dirty="0" err="1">
@@ -11799,7 +11808,7 @@
                 <a:ea typeface="+mn-lt"/>
                 <a:cs typeface="+mn-lt"/>
               </a:rPr>
-              <a:t>jedna</a:t>
+              <a:t>osoba</a:t>
             </a:r>
             <a:r>
               <a:rPr lang="en-US" dirty="0">
@@ -11807,6 +11816,89 @@
                 <a:ea typeface="+mn-lt"/>
                 <a:cs typeface="+mn-lt"/>
               </a:rPr>
+              <a:t>.</a:t>
+            </a:r>
+          </a:p>
+          <a:p>
+            <a:pPr algn="l"/>
+            <a:r>
+              <a:rPr lang="en-US" dirty="0" err="1">
+                <a:latin typeface="Times"/>
+                <a:ea typeface="+mn-lt"/>
+                <a:cs typeface="+mn-lt"/>
+              </a:rPr>
+              <a:t>Programiści</a:t>
+            </a:r>
+            <a:r>
+              <a:rPr lang="en-US" dirty="0">
+                <a:latin typeface="Times"/>
+                <a:ea typeface="+mn-lt"/>
+                <a:cs typeface="+mn-lt"/>
+              </a:rPr>
+              <a:t> (front-end </a:t>
+            </a:r>
+            <a:r>
+              <a:rPr lang="en-US" dirty="0" err="1">
+                <a:latin typeface="Times"/>
+                <a:ea typeface="+mn-lt"/>
+                <a:cs typeface="+mn-lt"/>
+              </a:rPr>
+              <a:t>i</a:t>
+            </a:r>
+            <a:r>
+              <a:rPr lang="en-US" dirty="0">
+                <a:latin typeface="Times"/>
+                <a:ea typeface="+mn-lt"/>
+                <a:cs typeface="+mn-lt"/>
+              </a:rPr>
+              <a:t> back-end): 4 </a:t>
+            </a:r>
+            <a:r>
+              <a:rPr lang="en-US" dirty="0" err="1">
+                <a:latin typeface="Times"/>
+                <a:ea typeface="+mn-lt"/>
+                <a:cs typeface="+mn-lt"/>
+              </a:rPr>
+              <a:t>osoby</a:t>
+            </a:r>
+            <a:r>
+              <a:rPr lang="en-US" dirty="0">
+                <a:latin typeface="Times"/>
+                <a:ea typeface="+mn-lt"/>
+                <a:cs typeface="+mn-lt"/>
+              </a:rPr>
+              <a:t>, </a:t>
+            </a:r>
+            <a:r>
+              <a:rPr lang="en-US" dirty="0" err="1">
+                <a:latin typeface="Times"/>
+                <a:ea typeface="+mn-lt"/>
+                <a:cs typeface="+mn-lt"/>
+              </a:rPr>
+              <a:t>komputery</a:t>
+            </a:r>
+            <a:r>
+              <a:rPr lang="en-US" dirty="0">
+                <a:latin typeface="Times"/>
+                <a:ea typeface="+mn-lt"/>
+                <a:cs typeface="+mn-lt"/>
+              </a:rPr>
+              <a:t> z </a:t>
+            </a:r>
+            <a:r>
+              <a:rPr lang="en-US" dirty="0" err="1">
+                <a:latin typeface="Times"/>
+                <a:ea typeface="+mn-lt"/>
+                <a:cs typeface="+mn-lt"/>
+              </a:rPr>
+              <a:t>odpowiednimi</a:t>
+            </a:r>
+            <a:r>
+              <a:rPr lang="en-US" dirty="0">
+                <a:latin typeface="Times"/>
+                <a:ea typeface="+mn-lt"/>
+                <a:cs typeface="+mn-lt"/>
+              </a:rPr>
               <a:t> </a:t>
             </a:r>
             <a:r>
@@ -11815,6 +11907,57 @@
                 <a:ea typeface="+mn-lt"/>
                 <a:cs typeface="+mn-lt"/>
               </a:rPr>
+              <a:t>środowiskami</a:t>
+            </a:r>
+            <a:r>
+              <a:rPr lang="en-US" dirty="0">
+                <a:latin typeface="Times"/>
+                <a:ea typeface="+mn-lt"/>
+                <a:cs typeface="+mn-lt"/>
+              </a:rPr>
+              <a:t> </a:t>
+            </a:r>
+            <a:r>
+              <a:rPr lang="en-US" dirty="0" err="1">
+                <a:latin typeface="Times"/>
+                <a:ea typeface="+mn-lt"/>
+                <a:cs typeface="+mn-lt"/>
+              </a:rPr>
+              <a:t>programistycznymi</a:t>
+            </a:r>
+            <a:r>
+              <a:rPr lang="en-US" dirty="0">
+                <a:latin typeface="Times"/>
+                <a:ea typeface="+mn-lt"/>
+                <a:cs typeface="+mn-lt"/>
+              </a:rPr>
+              <a:t>.</a:t>
+            </a:r>
+          </a:p>
+          <a:p>
+            <a:pPr algn="l"/>
+            <a:r>
+              <a:rPr lang="en-US" dirty="0" err="1">
+                <a:latin typeface="Times"/>
+                <a:ea typeface="+mn-lt"/>
+                <a:cs typeface="+mn-lt"/>
+              </a:rPr>
+              <a:t>Testerzy</a:t>
+            </a:r>
+            <a:r>
+              <a:rPr lang="en-US" dirty="0">
+                <a:latin typeface="Times"/>
+                <a:ea typeface="+mn-lt"/>
+                <a:cs typeface="+mn-lt"/>
+              </a:rPr>
+              <a:t>: 1 </a:t>
+            </a:r>
+            <a:r>
+              <a:rPr lang="en-US" dirty="0" err="1">
+                <a:latin typeface="Times"/>
+                <a:ea typeface="+mn-lt"/>
+                <a:cs typeface="+mn-lt"/>
+              </a:rPr>
               <a:t>osoba</a:t>
             </a:r>
             <a:r>
@@ -11855,6 +11998,121 @@
                 <a:ea typeface="+mn-lt"/>
                 <a:cs typeface="+mn-lt"/>
               </a:rPr>
+              <a:t> do </a:t>
+            </a:r>
+            <a:r>
+              <a:rPr lang="en-US" dirty="0" err="1">
+                <a:latin typeface="Times"/>
+                <a:ea typeface="+mn-lt"/>
+                <a:cs typeface="+mn-lt"/>
+              </a:rPr>
+              <a:t>testowania</a:t>
+            </a:r>
+            <a:r>
+              <a:rPr lang="en-US" dirty="0">
+                <a:latin typeface="Times"/>
+                <a:ea typeface="+mn-lt"/>
+                <a:cs typeface="+mn-lt"/>
+              </a:rPr>
+              <a:t>.</a:t>
+            </a:r>
+          </a:p>
+          <a:p>
+            <a:pPr algn="l"/>
+            <a:r>
+              <a:rPr lang="en-US" dirty="0" err="1">
+                <a:latin typeface="Times"/>
+                <a:ea typeface="+mn-lt"/>
+                <a:cs typeface="+mn-lt"/>
+              </a:rPr>
+              <a:t>Specjalista</a:t>
+            </a:r>
+            <a:r>
+              <a:rPr lang="en-US" dirty="0">
+                <a:latin typeface="Times"/>
+                <a:ea typeface="+mn-lt"/>
+                <a:cs typeface="+mn-lt"/>
+              </a:rPr>
+              <a:t> ds. </a:t>
+            </a:r>
+            <a:r>
+              <a:rPr lang="en-US" dirty="0" err="1">
+                <a:latin typeface="Times"/>
+                <a:ea typeface="+mn-lt"/>
+                <a:cs typeface="+mn-lt"/>
+              </a:rPr>
+              <a:t>bezpieczeństwa</a:t>
+            </a:r>
+            <a:r>
+              <a:rPr lang="en-US" dirty="0">
+                <a:latin typeface="Times"/>
+                <a:ea typeface="+mn-lt"/>
+                <a:cs typeface="+mn-lt"/>
+              </a:rPr>
+              <a:t>: 1 </a:t>
+            </a:r>
+            <a:r>
+              <a:rPr lang="en-US" dirty="0" err="1">
+                <a:latin typeface="Times"/>
+                <a:ea typeface="+mn-lt"/>
+                <a:cs typeface="+mn-lt"/>
+              </a:rPr>
+              <a:t>osoba</a:t>
+            </a:r>
+            <a:r>
+              <a:rPr lang="en-US" dirty="0">
+                <a:latin typeface="Times"/>
+                <a:ea typeface="+mn-lt"/>
+                <a:cs typeface="+mn-lt"/>
+              </a:rPr>
+              <a:t>, </a:t>
+            </a:r>
+            <a:r>
+              <a:rPr lang="en-US" dirty="0" err="1">
+                <a:latin typeface="Times"/>
+                <a:ea typeface="+mn-lt"/>
+                <a:cs typeface="+mn-lt"/>
+              </a:rPr>
+              <a:t>komputer</a:t>
+            </a:r>
+            <a:r>
+              <a:rPr lang="en-US" dirty="0">
+                <a:latin typeface="Times"/>
+                <a:ea typeface="+mn-lt"/>
+                <a:cs typeface="+mn-lt"/>
+              </a:rPr>
+              <a:t> z </a:t>
+            </a:r>
+            <a:r>
+              <a:rPr lang="en-US" dirty="0" err="1">
+                <a:latin typeface="Times"/>
+                <a:ea typeface="+mn-lt"/>
+                <a:cs typeface="+mn-lt"/>
+              </a:rPr>
+              <a:t>narzędziami</a:t>
+            </a:r>
+            <a:r>
+              <a:rPr lang="en-US" dirty="0">
+                <a:latin typeface="Times"/>
+                <a:ea typeface="+mn-lt"/>
+                <a:cs typeface="+mn-lt"/>
+              </a:rPr>
+              <a:t> do </a:t>
+            </a:r>
+            <a:r>
+              <a:rPr lang="en-US" dirty="0" err="1">
+                <a:latin typeface="Times"/>
+                <a:ea typeface="+mn-lt"/>
+                <a:cs typeface="+mn-lt"/>
+              </a:rPr>
+              <a:t>testowania</a:t>
+            </a:r>
+            <a:r>
+              <a:rPr lang="en-US" dirty="0">
+                <a:latin typeface="Times"/>
+                <a:ea typeface="+mn-lt"/>
+                <a:cs typeface="+mn-lt"/>
+              </a:rPr>
               <a:t> </a:t>
             </a:r>
             <a:r>
@@ -11863,7 +12121,7 @@
                 <a:ea typeface="+mn-lt"/>
                 <a:cs typeface="+mn-lt"/>
               </a:rPr>
-              <a:t>graficznymi</a:t>
+              <a:t>i</a:t>
             </a:r>
             <a:r>
               <a:rPr lang="en-US" dirty="0">
@@ -11871,8 +12129,45 @@
                 <a:ea typeface="+mn-lt"/>
                 <a:cs typeface="+mn-lt"/>
               </a:rPr>
+              <a:t> </a:t>
+            </a:r>
+            <a:r>
+              <a:rPr lang="en-US" dirty="0" err="1">
+                <a:latin typeface="Times"/>
+                <a:ea typeface="+mn-lt"/>
+                <a:cs typeface="+mn-lt"/>
+              </a:rPr>
+              <a:t>zabezpieczania</a:t>
+            </a:r>
+            <a:r>
+              <a:rPr lang="en-US" dirty="0">
+                <a:latin typeface="Times"/>
+                <a:ea typeface="+mn-lt"/>
+                <a:cs typeface="+mn-lt"/>
+              </a:rPr>
+              <a:t> </a:t>
+            </a:r>
+            <a:r>
+              <a:rPr lang="en-US" dirty="0" err="1">
+                <a:latin typeface="Times"/>
+                <a:ea typeface="+mn-lt"/>
+                <a:cs typeface="+mn-lt"/>
+              </a:rPr>
+              <a:t>oprogramowania</a:t>
+            </a:r>
+            <a:r>
+              <a:rPr lang="en-US" dirty="0">
+                <a:latin typeface="Times"/>
+                <a:ea typeface="+mn-lt"/>
+                <a:cs typeface="+mn-lt"/>
+              </a:rPr>
               <a:t>.</a:t>
             </a:r>
+            <a:endParaRPr lang="en-US" dirty="0">
+              <a:latin typeface="Times"/>
+              <a:ea typeface="+mn-lt"/>
+              <a:cs typeface="Times"/>
+            </a:endParaRPr>
           </a:p>
           <a:p>
             <a:pPr algn="l"/>
@@ -11882,7 +12177,7 @@
                 <a:ea typeface="+mn-lt"/>
                 <a:cs typeface="+mn-lt"/>
               </a:rPr>
-              <a:t>Programiści</a:t>
+              <a:t>Marketingowiec</a:t>
             </a:r>
             <a:r>
               <a:rPr lang="en-US" dirty="0">
@@ -11890,7 +12185,7 @@
                 <a:ea typeface="+mn-lt"/>
                 <a:cs typeface="+mn-lt"/>
               </a:rPr>
-              <a:t> (front-end </a:t>
+              <a:t>: 1 </a:t>
             </a:r>
             <a:r>
               <a:rPr lang="en-US" dirty="0" err="1">
@@ -11898,7 +12193,7 @@
                 <a:ea typeface="+mn-lt"/>
                 <a:cs typeface="+mn-lt"/>
               </a:rPr>
-              <a:t>i</a:t>
+              <a:t>osoba</a:t>
             </a:r>
             <a:r>
               <a:rPr lang="en-US" dirty="0">
@@ -11906,7 +12201,7 @@
                 <a:ea typeface="+mn-lt"/>
                 <a:cs typeface="+mn-lt"/>
               </a:rPr>
-              <a:t> back-end): 4 </a:t>
+              <a:t>, </a:t>
             </a:r>
             <a:r>
               <a:rPr lang="en-US" dirty="0" err="1">
@@ -11914,7 +12209,7 @@
                 <a:ea typeface="+mn-lt"/>
                 <a:cs typeface="+mn-lt"/>
               </a:rPr>
-              <a:t>osoby</a:t>
+              <a:t>komputer</a:t>
             </a:r>
             <a:r>
               <a:rPr lang="en-US" dirty="0">
@@ -11922,303 +12217,9 @@
                 <a:ea typeface="+mn-lt"/>
                 <a:cs typeface="+mn-lt"/>
               </a:rPr>
-              <a:t>, </a:t>
-            </a:r>
-            <a:r>
-              <a:rPr lang="en-US" dirty="0" err="1">
-                <a:latin typeface="Times"/>
-                <a:ea typeface="+mn-lt"/>
-                <a:cs typeface="+mn-lt"/>
-              </a:rPr>
-              <a:t>komputery</a:t>
-            </a:r>
-            <a:r>
-              <a:rPr lang="en-US" dirty="0">
-                <a:latin typeface="Times"/>
-                <a:ea typeface="+mn-lt"/>
-                <a:cs typeface="+mn-lt"/>
-              </a:rPr>
-              <a:t> z </a:t>
-            </a:r>
-            <a:r>
-              <a:rPr lang="en-US" dirty="0" err="1">
-                <a:latin typeface="Times"/>
-                <a:ea typeface="+mn-lt"/>
-                <a:cs typeface="+mn-lt"/>
-              </a:rPr>
-              <a:t>odpowiednimi</a:t>
-            </a:r>
-            <a:r>
-              <a:rPr lang="en-US" dirty="0">
-                <a:latin typeface="Times"/>
-                <a:ea typeface="+mn-lt"/>
-                <a:cs typeface="+mn-lt"/>
-              </a:rPr>
-              <a:t> </a:t>
-            </a:r>
-            <a:r>
-              <a:rPr lang="en-US" dirty="0" err="1">
-                <a:latin typeface="Times"/>
-                <a:ea typeface="+mn-lt"/>
-                <a:cs typeface="+mn-lt"/>
-              </a:rPr>
-              <a:t>środowiskami</a:t>
-            </a:r>
-            <a:r>
-              <a:rPr lang="en-US" dirty="0">
-                <a:latin typeface="Times"/>
-                <a:ea typeface="+mn-lt"/>
-                <a:cs typeface="+mn-lt"/>
-              </a:rPr>
-              <a:t> </a:t>
-            </a:r>
-            <a:r>
-              <a:rPr lang="en-US" dirty="0" err="1">
-                <a:latin typeface="Times"/>
-                <a:ea typeface="+mn-lt"/>
-                <a:cs typeface="+mn-lt"/>
-              </a:rPr>
-              <a:t>programistycznymi</a:t>
-            </a:r>
-            <a:r>
-              <a:rPr lang="en-US" dirty="0">
-                <a:latin typeface="Times"/>
-                <a:ea typeface="+mn-lt"/>
-                <a:cs typeface="+mn-lt"/>
-              </a:rPr>
               <a:t>.</a:t>
             </a:r>
-          </a:p>
-          <a:p>
-            <a:pPr algn="l"/>
-            <a:r>
-              <a:rPr lang="en-US" dirty="0" err="1">
-                <a:latin typeface="Times"/>
-                <a:ea typeface="+mn-lt"/>
-                <a:cs typeface="+mn-lt"/>
-              </a:rPr>
-              <a:t>Testerzy</a:t>
-            </a:r>
-            <a:r>
-              <a:rPr lang="en-US" dirty="0">
-                <a:latin typeface="Times"/>
-                <a:ea typeface="+mn-lt"/>
-                <a:cs typeface="+mn-lt"/>
-              </a:rPr>
-              <a:t>: 2 </a:t>
-            </a:r>
-            <a:r>
-              <a:rPr lang="en-US" dirty="0" err="1">
-                <a:latin typeface="Times"/>
-                <a:ea typeface="+mn-lt"/>
-                <a:cs typeface="+mn-lt"/>
-              </a:rPr>
-              <a:t>osoby</a:t>
-            </a:r>
-            <a:r>
-              <a:rPr lang="en-US" dirty="0">
-                <a:latin typeface="Times"/>
-                <a:ea typeface="+mn-lt"/>
-                <a:cs typeface="+mn-lt"/>
-              </a:rPr>
-              <a:t>, </a:t>
-            </a:r>
-            <a:r>
-              <a:rPr lang="en-US" dirty="0" err="1">
-                <a:latin typeface="Times"/>
-                <a:ea typeface="+mn-lt"/>
-                <a:cs typeface="+mn-lt"/>
-              </a:rPr>
-              <a:t>komputery</a:t>
-            </a:r>
-            <a:r>
-              <a:rPr lang="en-US" dirty="0">
-                <a:latin typeface="Times"/>
-                <a:ea typeface="+mn-lt"/>
-                <a:cs typeface="+mn-lt"/>
-              </a:rPr>
-              <a:t> z </a:t>
-            </a:r>
-            <a:r>
-              <a:rPr lang="en-US" dirty="0" err="1">
-                <a:latin typeface="Times"/>
-                <a:ea typeface="+mn-lt"/>
-                <a:cs typeface="+mn-lt"/>
-              </a:rPr>
-              <a:t>narzędziami</a:t>
-            </a:r>
-            <a:r>
-              <a:rPr lang="en-US" dirty="0">
-                <a:latin typeface="Times"/>
-                <a:ea typeface="+mn-lt"/>
-                <a:cs typeface="+mn-lt"/>
-              </a:rPr>
-              <a:t> do </a:t>
-            </a:r>
-            <a:r>
-              <a:rPr lang="en-US" dirty="0" err="1">
-                <a:latin typeface="Times"/>
-                <a:ea typeface="+mn-lt"/>
-                <a:cs typeface="+mn-lt"/>
-              </a:rPr>
-              <a:t>testowania</a:t>
-            </a:r>
-            <a:r>
-              <a:rPr lang="en-US" dirty="0">
-                <a:latin typeface="Times"/>
-                <a:ea typeface="+mn-lt"/>
-                <a:cs typeface="+mn-lt"/>
-              </a:rPr>
-              <a:t>.</a:t>
-            </a:r>
-          </a:p>
-          <a:p>
-            <a:pPr algn="l"/>
-            <a:r>
-              <a:rPr lang="en-US" dirty="0" err="1">
-                <a:latin typeface="Times"/>
-                <a:ea typeface="+mn-lt"/>
-                <a:cs typeface="+mn-lt"/>
-              </a:rPr>
-              <a:t>Specjalista</a:t>
-            </a:r>
-            <a:r>
-              <a:rPr lang="en-US" dirty="0">
-                <a:latin typeface="Times"/>
-                <a:ea typeface="+mn-lt"/>
-                <a:cs typeface="+mn-lt"/>
-              </a:rPr>
-              <a:t> ds. </a:t>
-            </a:r>
-            <a:r>
-              <a:rPr lang="en-US" dirty="0" err="1">
-                <a:latin typeface="Times"/>
-                <a:ea typeface="+mn-lt"/>
-                <a:cs typeface="+mn-lt"/>
-              </a:rPr>
-              <a:t>bezpieczeństwa</a:t>
-            </a:r>
-            <a:r>
-              <a:rPr lang="en-US" dirty="0">
-                <a:latin typeface="Times"/>
-                <a:ea typeface="+mn-lt"/>
-                <a:cs typeface="+mn-lt"/>
-              </a:rPr>
-              <a:t>: 1 </a:t>
-            </a:r>
-            <a:r>
-              <a:rPr lang="en-US" dirty="0" err="1">
-                <a:latin typeface="Times"/>
-                <a:ea typeface="+mn-lt"/>
-                <a:cs typeface="+mn-lt"/>
-              </a:rPr>
-              <a:t>osoba</a:t>
-            </a:r>
-            <a:r>
-              <a:rPr lang="en-US" dirty="0">
-                <a:latin typeface="Times"/>
-                <a:ea typeface="+mn-lt"/>
-                <a:cs typeface="+mn-lt"/>
-              </a:rPr>
-              <a:t>, </a:t>
-            </a:r>
-            <a:r>
-              <a:rPr lang="en-US" dirty="0" err="1">
-                <a:latin typeface="Times"/>
-                <a:ea typeface="+mn-lt"/>
-                <a:cs typeface="+mn-lt"/>
-              </a:rPr>
-              <a:t>komputer</a:t>
-            </a:r>
-            <a:r>
-              <a:rPr lang="en-US" dirty="0">
-                <a:latin typeface="Times"/>
-                <a:ea typeface="+mn-lt"/>
-                <a:cs typeface="+mn-lt"/>
-              </a:rPr>
-              <a:t> z </a:t>
-            </a:r>
-            <a:r>
-              <a:rPr lang="en-US" dirty="0" err="1">
-                <a:latin typeface="Times"/>
-                <a:ea typeface="+mn-lt"/>
-                <a:cs typeface="+mn-lt"/>
-              </a:rPr>
-              <a:t>narzędziami</a:t>
-            </a:r>
-            <a:r>
-              <a:rPr lang="en-US" dirty="0">
-                <a:latin typeface="Times"/>
-                <a:ea typeface="+mn-lt"/>
-                <a:cs typeface="+mn-lt"/>
-              </a:rPr>
-              <a:t> do </a:t>
-            </a:r>
-            <a:r>
-              <a:rPr lang="en-US" dirty="0" err="1">
-                <a:latin typeface="Times"/>
-                <a:ea typeface="+mn-lt"/>
-                <a:cs typeface="+mn-lt"/>
-              </a:rPr>
-              <a:t>testowania</a:t>
-            </a:r>
-            <a:r>
-              <a:rPr lang="en-US" dirty="0">
-                <a:latin typeface="Times"/>
-                <a:ea typeface="+mn-lt"/>
-                <a:cs typeface="+mn-lt"/>
-              </a:rPr>
-              <a:t> </a:t>
-            </a:r>
-            <a:r>
-              <a:rPr lang="en-US" dirty="0" err="1">
-                <a:latin typeface="Times"/>
-                <a:ea typeface="+mn-lt"/>
-                <a:cs typeface="+mn-lt"/>
-              </a:rPr>
-              <a:t>i</a:t>
-            </a:r>
-            <a:r>
-              <a:rPr lang="en-US" dirty="0">
-                <a:latin typeface="Times"/>
-                <a:ea typeface="+mn-lt"/>
-                <a:cs typeface="+mn-lt"/>
-              </a:rPr>
-              <a:t> </a:t>
-            </a:r>
-            <a:r>
-              <a:rPr lang="en-US" dirty="0" err="1">
-                <a:latin typeface="Times"/>
-                <a:ea typeface="+mn-lt"/>
-                <a:cs typeface="+mn-lt"/>
-              </a:rPr>
-              <a:t>zabezpieczania</a:t>
-            </a:r>
-            <a:r>
-              <a:rPr lang="en-US" dirty="0">
-                <a:latin typeface="Times"/>
-                <a:ea typeface="+mn-lt"/>
-                <a:cs typeface="+mn-lt"/>
-              </a:rPr>
-              <a:t> </a:t>
-            </a:r>
-            <a:r>
-              <a:rPr lang="en-US" dirty="0" err="1">
-                <a:latin typeface="Times"/>
-                <a:ea typeface="+mn-lt"/>
-                <a:cs typeface="+mn-lt"/>
-              </a:rPr>
-              <a:t>oprogramowania</a:t>
-            </a:r>
-            <a:r>
-              <a:rPr lang="en-US" dirty="0">
-                <a:latin typeface="Times"/>
-                <a:ea typeface="+mn-lt"/>
-                <a:cs typeface="+mn-lt"/>
-              </a:rPr>
-              <a:t>.</a:t>
-            </a:r>
-            <a:endParaRPr lang="en-US">
+            <a:endParaRPr lang="en-US" dirty="0">
               <a:latin typeface="Times"/>
               <a:cs typeface="Times"/>
             </a:endParaRPr>
@@ -12226,12 +12227,20 @@
           <a:p>
             <a:pPr algn="l"/>
             <a:r>
+              <a:rPr lang="en-US" dirty="0">
+                <a:latin typeface="Times"/>
+                <a:ea typeface="+mn-lt"/>
+                <a:cs typeface="+mn-lt"/>
+              </a:rPr>
+              <a:t>Rola "</a:t>
+            </a:r>
+            <a:r>
               <a:rPr lang="en-US" dirty="0" err="1">
                 <a:latin typeface="Times"/>
                 <a:ea typeface="+mn-lt"/>
                 <a:cs typeface="+mn-lt"/>
               </a:rPr>
-              <a:t>Szkoleniowcy</a:t>
+              <a:t>zwinnego</a:t>
             </a:r>
             <a:r>
               <a:rPr lang="en-US" dirty="0">
@@ -12239,7 +12248,7 @@
                 <a:ea typeface="+mn-lt"/>
                 <a:cs typeface="+mn-lt"/>
               </a:rPr>
-              <a:t>: 1 </a:t>
+              <a:t> </a:t>
             </a:r>
             <a:r>
               <a:rPr lang="en-US" dirty="0" err="1">
@@ -12247,7 +12256,7 @@
                 <a:ea typeface="+mn-lt"/>
                 <a:cs typeface="+mn-lt"/>
               </a:rPr>
-              <a:t>osoba</a:t>
+              <a:t>klienta</a:t>
             </a:r>
             <a:r>
               <a:rPr lang="en-US" dirty="0">
@@ -12255,7 +12264,7 @@
                 <a:ea typeface="+mn-lt"/>
                 <a:cs typeface="+mn-lt"/>
               </a:rPr>
-              <a:t>, </a:t>
+              <a:t>" jest </a:t>
             </a:r>
             <a:r>
               <a:rPr lang="en-US" dirty="0" err="1">
@@ -12263,7 +12272,7 @@
                 <a:ea typeface="+mn-lt"/>
                 <a:cs typeface="+mn-lt"/>
               </a:rPr>
-              <a:t>komputer</a:t>
+              <a:t>kluczowa</a:t>
             </a:r>
             <a:r>
               <a:rPr lang="en-US" dirty="0">
@@ -12271,6 +12280,102 @@
                 <a:ea typeface="+mn-lt"/>
                 <a:cs typeface="+mn-lt"/>
               </a:rPr>
+              <a:t> </a:t>
+            </a:r>
+            <a:r>
+              <a:rPr lang="en-US" dirty="0" err="1">
+                <a:latin typeface="Times"/>
+                <a:ea typeface="+mn-lt"/>
+                <a:cs typeface="+mn-lt"/>
+              </a:rPr>
+              <a:t>i</a:t>
+            </a:r>
+            <a:r>
+              <a:rPr lang="en-US" dirty="0">
+                <a:latin typeface="Times"/>
+                <a:ea typeface="+mn-lt"/>
+                <a:cs typeface="+mn-lt"/>
+              </a:rPr>
+              <a:t> </a:t>
+            </a:r>
+            <a:r>
+              <a:rPr lang="en-US" dirty="0" err="1">
+                <a:latin typeface="Times"/>
+                <a:ea typeface="+mn-lt"/>
+                <a:cs typeface="+mn-lt"/>
+              </a:rPr>
+              <a:t>wymaga</a:t>
+            </a:r>
+            <a:r>
+              <a:rPr lang="en-US" dirty="0">
+                <a:latin typeface="Times"/>
+                <a:ea typeface="+mn-lt"/>
+                <a:cs typeface="+mn-lt"/>
+              </a:rPr>
+              <a:t> </a:t>
+            </a:r>
+            <a:r>
+              <a:rPr lang="en-US" dirty="0" err="1">
+                <a:latin typeface="Times"/>
+                <a:ea typeface="+mn-lt"/>
+                <a:cs typeface="+mn-lt"/>
+              </a:rPr>
+              <a:t>dostępu</a:t>
+            </a:r>
+            <a:r>
+              <a:rPr lang="en-US" dirty="0">
+                <a:latin typeface="Times"/>
+                <a:ea typeface="+mn-lt"/>
+                <a:cs typeface="+mn-lt"/>
+              </a:rPr>
+              <a:t> do </a:t>
+            </a:r>
+            <a:r>
+              <a:rPr lang="en-US" dirty="0" err="1">
+                <a:latin typeface="Times"/>
+                <a:ea typeface="+mn-lt"/>
+                <a:cs typeface="+mn-lt"/>
+              </a:rPr>
+              <a:t>komputera</a:t>
+            </a:r>
+            <a:r>
+              <a:rPr lang="en-US" dirty="0">
+                <a:latin typeface="Times"/>
+                <a:ea typeface="+mn-lt"/>
+                <a:cs typeface="+mn-lt"/>
+              </a:rPr>
+              <a:t> </a:t>
+            </a:r>
+            <a:r>
+              <a:rPr lang="en-US" dirty="0" err="1">
+                <a:latin typeface="Times"/>
+                <a:ea typeface="+mn-lt"/>
+                <a:cs typeface="+mn-lt"/>
+              </a:rPr>
+              <a:t>lub</a:t>
+            </a:r>
+            <a:r>
+              <a:rPr lang="en-US" dirty="0">
+                <a:latin typeface="Times"/>
+                <a:ea typeface="+mn-lt"/>
+                <a:cs typeface="+mn-lt"/>
+              </a:rPr>
+              <a:t> </a:t>
+            </a:r>
+            <a:r>
+              <a:rPr lang="en-US" dirty="0" err="1">
+                <a:latin typeface="Times"/>
+                <a:ea typeface="+mn-lt"/>
+                <a:cs typeface="+mn-lt"/>
+              </a:rPr>
+              <a:t>urządzenia</a:t>
+            </a:r>
+            <a:r>
+              <a:rPr lang="en-US" dirty="0">
+                <a:latin typeface="Times"/>
+                <a:ea typeface="+mn-lt"/>
+                <a:cs typeface="+mn-lt"/>
+              </a:rPr>
               <a:t> z </a:t>
             </a:r>
             <a:r>
@@ -12279,7 +12384,7 @@
                 <a:ea typeface="+mn-lt"/>
                 <a:cs typeface="+mn-lt"/>
               </a:rPr>
-              <a:t>oprogramowaniem</a:t>
+              <a:t>przeglądarką</a:t>
             </a:r>
             <a:r>
               <a:rPr lang="en-US" dirty="0">
@@ -12287,7 +12392,7 @@
                 <a:ea typeface="+mn-lt"/>
                 <a:cs typeface="+mn-lt"/>
               </a:rPr>
-              <a:t> do </a:t>
+              <a:t> </a:t>
             </a:r>
             <a:r>
               <a:rPr lang="en-US" dirty="0" err="1">
@@ -12295,374 +12400,7 @@
                 <a:ea typeface="+mn-lt"/>
                 <a:cs typeface="+mn-lt"/>
               </a:rPr>
-              <a:t>tworzenia</a:t>
-            </a:r>
-            <a:r>
-              <a:rPr lang="en-US" dirty="0">
-                <a:latin typeface="Times"/>
-                <a:ea typeface="+mn-lt"/>
-                <a:cs typeface="+mn-lt"/>
-              </a:rPr>
-              <a:t> </a:t>
-            </a:r>
-            <a:r>
-              <a:rPr lang="en-US" dirty="0" err="1">
-                <a:latin typeface="Times"/>
-                <a:ea typeface="+mn-lt"/>
-                <a:cs typeface="+mn-lt"/>
-              </a:rPr>
-              <a:t>materiałów</a:t>
-            </a:r>
-            <a:r>
-              <a:rPr lang="en-US" dirty="0">
-                <a:latin typeface="Times"/>
-                <a:ea typeface="+mn-lt"/>
-                <a:cs typeface="+mn-lt"/>
-              </a:rPr>
-              <a:t> </a:t>
-            </a:r>
-            <a:r>
-              <a:rPr lang="en-US" dirty="0" err="1">
-                <a:latin typeface="Times"/>
-                <a:ea typeface="+mn-lt"/>
-                <a:cs typeface="+mn-lt"/>
-              </a:rPr>
-              <a:t>szkoleniowych</a:t>
-            </a:r>
-            <a:r>
-              <a:rPr lang="en-US" dirty="0">
-                <a:latin typeface="Times"/>
-                <a:ea typeface="+mn-lt"/>
-                <a:cs typeface="+mn-lt"/>
-              </a:rPr>
-              <a:t>.</a:t>
-            </a:r>
-            <a:endParaRPr lang="en-US">
-              <a:latin typeface="Times"/>
-              <a:cs typeface="Times"/>
-            </a:endParaRPr>
-          </a:p>
-          <a:p>
-            <a:pPr algn="l"/>
-            <a:r>
-              <a:rPr lang="en-US" dirty="0">
-                <a:latin typeface="Times"/>
-                <a:ea typeface="+mn-lt"/>
-                <a:cs typeface="+mn-lt"/>
-              </a:rPr>
-              <a:t>Rola "</a:t>
-            </a:r>
-            <a:r>
-              <a:rPr lang="en-US" dirty="0" err="1">
-                <a:latin typeface="Times"/>
-                <a:ea typeface="+mn-lt"/>
-                <a:cs typeface="+mn-lt"/>
-              </a:rPr>
-              <a:t>zwinnego</a:t>
-            </a:r>
-            <a:r>
-              <a:rPr lang="en-US" dirty="0">
-                <a:latin typeface="Times"/>
-                <a:ea typeface="+mn-lt"/>
-                <a:cs typeface="+mn-lt"/>
-              </a:rPr>
-              <a:t> </a:t>
-            </a:r>
-            <a:r>
-              <a:rPr lang="en-US" dirty="0" err="1">
-                <a:latin typeface="Times"/>
-                <a:ea typeface="+mn-lt"/>
-                <a:cs typeface="+mn-lt"/>
-              </a:rPr>
-              <a:t>klienta</a:t>
-            </a:r>
-            <a:r>
-              <a:rPr lang="en-US" dirty="0">
-                <a:latin typeface="Times"/>
-                <a:ea typeface="+mn-lt"/>
-                <a:cs typeface="+mn-lt"/>
-              </a:rPr>
-              <a:t>" jest </a:t>
-            </a:r>
-            <a:r>
-              <a:rPr lang="en-US" dirty="0" err="1">
-                <a:latin typeface="Times"/>
-                <a:ea typeface="+mn-lt"/>
-                <a:cs typeface="+mn-lt"/>
-              </a:rPr>
-              <a:t>kluczowa</a:t>
-            </a:r>
-            <a:r>
-              <a:rPr lang="en-US" dirty="0">
-                <a:latin typeface="Times"/>
-                <a:ea typeface="+mn-lt"/>
-                <a:cs typeface="+mn-lt"/>
-              </a:rPr>
-              <a:t> </a:t>
-            </a:r>
-            <a:r>
-              <a:rPr lang="en-US" dirty="0" err="1">
-                <a:latin typeface="Times"/>
-                <a:ea typeface="+mn-lt"/>
-                <a:cs typeface="+mn-lt"/>
-              </a:rPr>
-              <a:t>i</a:t>
-            </a:r>
-            <a:r>
-              <a:rPr lang="en-US" dirty="0">
-                <a:latin typeface="Times"/>
-                <a:ea typeface="+mn-lt"/>
-                <a:cs typeface="+mn-lt"/>
-              </a:rPr>
-              <a:t> </a:t>
-            </a:r>
-            <a:r>
-              <a:rPr lang="en-US" dirty="0" err="1">
-                <a:latin typeface="Times"/>
-                <a:ea typeface="+mn-lt"/>
-                <a:cs typeface="+mn-lt"/>
-              </a:rPr>
-              <a:t>wymaga</a:t>
-            </a:r>
-            <a:r>
-              <a:rPr lang="en-US" dirty="0">
-                <a:latin typeface="Times"/>
-                <a:ea typeface="+mn-lt"/>
-                <a:cs typeface="+mn-lt"/>
-              </a:rPr>
-              <a:t> </a:t>
-            </a:r>
-            <a:r>
-              <a:rPr lang="en-US" dirty="0" err="1">
-                <a:latin typeface="Times"/>
-                <a:ea typeface="+mn-lt"/>
-                <a:cs typeface="+mn-lt"/>
-              </a:rPr>
-              <a:t>dostępu</a:t>
-            </a:r>
-            <a:r>
-              <a:rPr lang="en-US" dirty="0">
-                <a:latin typeface="Times"/>
-                <a:ea typeface="+mn-lt"/>
-                <a:cs typeface="+mn-lt"/>
-              </a:rPr>
-              <a:t> do </a:t>
-            </a:r>
-            <a:r>
-              <a:rPr lang="en-US" dirty="0" err="1">
-                <a:latin typeface="Times"/>
-                <a:ea typeface="+mn-lt"/>
-                <a:cs typeface="+mn-lt"/>
-              </a:rPr>
-              <a:t>komputera</a:t>
-            </a:r>
-            <a:r>
-              <a:rPr lang="en-US" dirty="0">
-                <a:latin typeface="Times"/>
-                <a:ea typeface="+mn-lt"/>
-                <a:cs typeface="+mn-lt"/>
-              </a:rPr>
-              <a:t> </a:t>
-            </a:r>
-            <a:r>
-              <a:rPr lang="en-US" dirty="0" err="1">
-                <a:latin typeface="Times"/>
-                <a:ea typeface="+mn-lt"/>
-                <a:cs typeface="+mn-lt"/>
-              </a:rPr>
-              <a:t>lub</a:t>
-            </a:r>
-            <a:r>
-              <a:rPr lang="en-US" dirty="0">
-                <a:latin typeface="Times"/>
-                <a:ea typeface="+mn-lt"/>
-                <a:cs typeface="+mn-lt"/>
-              </a:rPr>
-              <a:t> </a:t>
-            </a:r>
-            <a:r>
-              <a:rPr lang="en-US" dirty="0" err="1">
-                <a:latin typeface="Times"/>
-                <a:ea typeface="+mn-lt"/>
-                <a:cs typeface="+mn-lt"/>
-              </a:rPr>
-              <a:t>urządzenia</a:t>
-            </a:r>
-            <a:r>
-              <a:rPr lang="en-US" dirty="0">
-                <a:latin typeface="Times"/>
-                <a:ea typeface="+mn-lt"/>
-                <a:cs typeface="+mn-lt"/>
-              </a:rPr>
-              <a:t> z </a:t>
-            </a:r>
-            <a:r>
-              <a:rPr lang="en-US" dirty="0" err="1">
-                <a:latin typeface="Times"/>
-                <a:ea typeface="+mn-lt"/>
-                <a:cs typeface="+mn-lt"/>
-              </a:rPr>
-              <a:t>przeglądarką</a:t>
-            </a:r>
-            <a:r>
-              <a:rPr lang="en-US" dirty="0">
-                <a:latin typeface="Times"/>
-                <a:ea typeface="+mn-lt"/>
-                <a:cs typeface="+mn-lt"/>
-              </a:rPr>
-              <a:t> </a:t>
-            </a:r>
-            <a:r>
-              <a:rPr lang="en-US" dirty="0" err="1">
-                <a:latin typeface="Times"/>
-                <a:ea typeface="+mn-lt"/>
-                <a:cs typeface="+mn-lt"/>
-              </a:rPr>
               <a:t>internetową</a:t>
-            </a:r>
-            <a:r>
-              <a:rPr lang="en-US" dirty="0">
-                <a:latin typeface="Times"/>
-                <a:ea typeface="+mn-lt"/>
-                <a:cs typeface="+mn-lt"/>
-              </a:rPr>
-              <a:t>. </a:t>
-            </a:r>
-            <a:r>
-              <a:rPr lang="en-US" dirty="0" err="1">
-                <a:latin typeface="Times"/>
-                <a:ea typeface="+mn-lt"/>
-                <a:cs typeface="+mn-lt"/>
-              </a:rPr>
-              <a:t>Ważne</a:t>
-            </a:r>
-            <a:r>
-              <a:rPr lang="en-US" dirty="0">
-                <a:latin typeface="Times"/>
-                <a:ea typeface="+mn-lt"/>
-                <a:cs typeface="+mn-lt"/>
-              </a:rPr>
-              <a:t> jest </a:t>
-            </a:r>
-            <a:r>
-              <a:rPr lang="en-US" dirty="0" err="1">
-                <a:latin typeface="Times"/>
-                <a:ea typeface="+mn-lt"/>
-                <a:cs typeface="+mn-lt"/>
-              </a:rPr>
-              <a:t>zapewnienie</a:t>
-            </a:r>
-            <a:r>
-              <a:rPr lang="en-US" dirty="0">
-                <a:latin typeface="Times"/>
-                <a:ea typeface="+mn-lt"/>
-                <a:cs typeface="+mn-lt"/>
-              </a:rPr>
-              <a:t> </a:t>
-            </a:r>
-            <a:r>
-              <a:rPr lang="en-US" dirty="0" err="1">
-                <a:latin typeface="Times"/>
-                <a:ea typeface="+mn-lt"/>
-                <a:cs typeface="+mn-lt"/>
-              </a:rPr>
-              <a:t>odpowiedniego</a:t>
-            </a:r>
-            <a:r>
-              <a:rPr lang="en-US" dirty="0">
-                <a:latin typeface="Times"/>
-                <a:ea typeface="+mn-lt"/>
-                <a:cs typeface="+mn-lt"/>
-              </a:rPr>
-              <a:t> </a:t>
-            </a:r>
-            <a:r>
-              <a:rPr lang="en-US" dirty="0" err="1">
-                <a:latin typeface="Times"/>
-                <a:ea typeface="+mn-lt"/>
-                <a:cs typeface="+mn-lt"/>
-              </a:rPr>
-              <a:t>wyposażenia</a:t>
-            </a:r>
-            <a:r>
-              <a:rPr lang="en-US" dirty="0">
-                <a:latin typeface="Times"/>
-                <a:ea typeface="+mn-lt"/>
-                <a:cs typeface="+mn-lt"/>
-              </a:rPr>
-              <a:t> </a:t>
-            </a:r>
-            <a:r>
-              <a:rPr lang="en-US" dirty="0" err="1">
-                <a:latin typeface="Times"/>
-                <a:ea typeface="+mn-lt"/>
-                <a:cs typeface="+mn-lt"/>
-              </a:rPr>
-              <a:t>dla</a:t>
-            </a:r>
-            <a:r>
-              <a:rPr lang="en-US" dirty="0">
-                <a:latin typeface="Times"/>
-                <a:ea typeface="+mn-lt"/>
-                <a:cs typeface="+mn-lt"/>
-              </a:rPr>
-              <a:t> </a:t>
-            </a:r>
-            <a:r>
-              <a:rPr lang="en-US" dirty="0" err="1">
-                <a:latin typeface="Times"/>
-                <a:ea typeface="+mn-lt"/>
-                <a:cs typeface="+mn-lt"/>
-              </a:rPr>
-              <a:t>efektywnej</a:t>
-            </a:r>
-            <a:r>
-              <a:rPr lang="en-US" dirty="0">
-                <a:latin typeface="Times"/>
-                <a:ea typeface="+mn-lt"/>
-                <a:cs typeface="+mn-lt"/>
-              </a:rPr>
-              <a:t> </a:t>
-            </a:r>
-            <a:r>
-              <a:rPr lang="en-US" dirty="0" err="1">
-                <a:latin typeface="Times"/>
-                <a:ea typeface="+mn-lt"/>
-                <a:cs typeface="+mn-lt"/>
-              </a:rPr>
-              <a:t>pracy</a:t>
-            </a:r>
-            <a:r>
-              <a:rPr lang="en-US" dirty="0">
-                <a:latin typeface="Times"/>
-                <a:ea typeface="+mn-lt"/>
-                <a:cs typeface="+mn-lt"/>
-              </a:rPr>
-              <a:t> </a:t>
-            </a:r>
-            <a:r>
-              <a:rPr lang="en-US" dirty="0" err="1">
-                <a:latin typeface="Times"/>
-                <a:ea typeface="+mn-lt"/>
-                <a:cs typeface="+mn-lt"/>
-              </a:rPr>
-              <a:t>nad</a:t>
-            </a:r>
-            <a:r>
-              <a:rPr lang="en-US" dirty="0">
-                <a:latin typeface="Times"/>
-                <a:ea typeface="+mn-lt"/>
-                <a:cs typeface="+mn-lt"/>
-              </a:rPr>
-              <a:t> </a:t>
-            </a:r>
-            <a:r>
-              <a:rPr lang="en-US" dirty="0" err="1">
-                <a:latin typeface="Times"/>
-                <a:ea typeface="+mn-lt"/>
-                <a:cs typeface="+mn-lt"/>
-              </a:rPr>
-              <a:t>projektem</a:t>
             </a:r>
             <a:r>
               <a:rPr lang="en-US" dirty="0">
@@ -12736,10 +12474,10 @@
           <a:lstStyle/>
           <a:p>
             <a:r>
-              <a:rPr lang="en-US" dirty="0" err="1"/>
+              <a:rPr lang="en-US" err="1"/>
               <a:t>Koszty</a:t>
             </a:r>
-            <a:endParaRPr lang="pl-PL" dirty="0" err="1"/>
+            <a:endParaRPr lang="pl-PL" err="1"/>
           </a:p>
         </p:txBody>
       </p:sp>
@@ -12761,8 +12499,8 @@
         </p:nvSpPr>
         <p:spPr>
           <a:xfrm>
-            <a:off x="6596903" y="2556300"/>
-            <a:ext cx="4574017" cy="365125"/>
+            <a:off x="6092202" y="2556300"/>
+            <a:ext cx="5088614" cy="365125"/>
           </a:xfrm>
         </p:spPr>
         <p:txBody>
@@ -12771,6 +12509,222 @@
           <a:p>
             <a:pPr>
               <a:lnSpc>
+                <a:spcPct val="100000"/>
+              </a:lnSpc>
+            </a:pPr>
+            <a:r>
+              <a:rPr lang="en-US" dirty="0">
+                <a:latin typeface="Times"/>
+                <a:ea typeface="+mn-lt"/>
+                <a:cs typeface="Times"/>
+              </a:rPr>
+              <a:t>Project Manager: 60zł/h (5mies) =&gt; 52 800 </a:t>
+            </a:r>
+            <a:r>
+              <a:rPr lang="en-US" dirty="0" err="1">
+                <a:latin typeface="Times"/>
+                <a:ea typeface="+mn-lt"/>
+                <a:cs typeface="Times"/>
+              </a:rPr>
+              <a:t>zł</a:t>
+            </a:r>
+            <a:endParaRPr lang="pl-PL">
+              <a:latin typeface="Times"/>
+              <a:ea typeface="+mn-lt"/>
+              <a:cs typeface="Times"/>
+            </a:endParaRPr>
+          </a:p>
+          <a:p>
+            <a:pPr>
+              <a:lnSpc>
+                <a:spcPct val="100000"/>
+              </a:lnSpc>
+            </a:pPr>
+            <a:r>
+              <a:rPr lang="en-US" err="1">
+                <a:latin typeface="Times"/>
+                <a:ea typeface="+mn-lt"/>
+                <a:cs typeface="Times"/>
+              </a:rPr>
+              <a:t>Programiści</a:t>
+            </a:r>
+            <a:r>
+              <a:rPr lang="en-US" dirty="0">
+                <a:latin typeface="Times"/>
+                <a:ea typeface="+mn-lt"/>
+                <a:cs typeface="Times"/>
+              </a:rPr>
+              <a:t>: 60zł/h x 4 = 240zł/h (5mies) =&gt; 211 200 </a:t>
+            </a:r>
+            <a:r>
+              <a:rPr lang="en-US" err="1">
+                <a:latin typeface="Times"/>
+                <a:ea typeface="+mn-lt"/>
+                <a:cs typeface="Times"/>
+              </a:rPr>
+              <a:t>zł</a:t>
+            </a:r>
+            <a:endParaRPr lang="en-US">
+              <a:latin typeface="Times"/>
+              <a:ea typeface="+mn-lt"/>
+              <a:cs typeface="Times"/>
+            </a:endParaRPr>
+          </a:p>
+          <a:p>
+            <a:pPr>
+              <a:lnSpc>
+                <a:spcPct val="100000"/>
+              </a:lnSpc>
+            </a:pPr>
+            <a:r>
+              <a:rPr lang="en-US" dirty="0">
+                <a:latin typeface="Times"/>
+                <a:ea typeface="+mn-lt"/>
+                <a:cs typeface="Times"/>
+              </a:rPr>
+              <a:t>Tester: 40zł/h (2mies) =&gt; 12 800 </a:t>
+            </a:r>
+            <a:r>
+              <a:rPr lang="en-US" dirty="0" err="1">
+                <a:latin typeface="Times"/>
+                <a:ea typeface="+mn-lt"/>
+                <a:cs typeface="Times"/>
+              </a:rPr>
+              <a:t>zł</a:t>
+            </a:r>
+            <a:endParaRPr lang="en-US" dirty="0">
+              <a:latin typeface="Times"/>
+              <a:ea typeface="+mn-lt"/>
+              <a:cs typeface="Times"/>
+            </a:endParaRPr>
+          </a:p>
+          <a:p>
+            <a:pPr>
+              <a:lnSpc>
+                <a:spcPct val="100000"/>
+              </a:lnSpc>
+            </a:pPr>
+            <a:r>
+              <a:rPr lang="en-US" err="1">
+                <a:latin typeface="Times"/>
+                <a:ea typeface="+mn-lt"/>
+                <a:cs typeface="Times"/>
+              </a:rPr>
+              <a:t>Specjalista</a:t>
+            </a:r>
+            <a:r>
+              <a:rPr lang="en-US" dirty="0">
+                <a:latin typeface="Times"/>
+                <a:ea typeface="+mn-lt"/>
+                <a:cs typeface="Times"/>
+              </a:rPr>
+              <a:t> ds. </a:t>
+            </a:r>
+            <a:r>
+              <a:rPr lang="en-US" err="1">
+                <a:latin typeface="Times"/>
+                <a:ea typeface="+mn-lt"/>
+                <a:cs typeface="Times"/>
+              </a:rPr>
+              <a:t>bezpieczeństwa</a:t>
+            </a:r>
+            <a:r>
+              <a:rPr lang="en-US" dirty="0">
+                <a:latin typeface="Times"/>
+                <a:ea typeface="+mn-lt"/>
+                <a:cs typeface="Times"/>
+              </a:rPr>
+              <a:t>: 70zł/h (1mies) =&gt; 11 200 </a:t>
+            </a:r>
+            <a:r>
+              <a:rPr lang="en-US" err="1">
+                <a:latin typeface="Times"/>
+                <a:ea typeface="+mn-lt"/>
+                <a:cs typeface="Times"/>
+              </a:rPr>
+              <a:t>zł</a:t>
+            </a:r>
+            <a:endParaRPr lang="en-US">
+              <a:latin typeface="Times"/>
+              <a:ea typeface="+mn-lt"/>
+              <a:cs typeface="Times"/>
+            </a:endParaRPr>
+          </a:p>
+          <a:p>
+            <a:pPr>
+              <a:lnSpc>
+                <a:spcPct val="100000"/>
+              </a:lnSpc>
+            </a:pPr>
+            <a:r>
+              <a:rPr lang="en-US" err="1">
+                <a:latin typeface="Times"/>
+                <a:ea typeface="+mn-lt"/>
+                <a:cs typeface="Times"/>
+              </a:rPr>
+              <a:t>Marketingowiec</a:t>
+            </a:r>
+            <a:r>
+              <a:rPr lang="en-US" dirty="0">
+                <a:latin typeface="Times"/>
+                <a:ea typeface="+mn-lt"/>
+                <a:cs typeface="Times"/>
+              </a:rPr>
+              <a:t>: 40zł/h (2mies) =&gt; 12 800 </a:t>
+            </a:r>
+            <a:r>
+              <a:rPr lang="en-US" err="1">
+                <a:latin typeface="Times"/>
+                <a:ea typeface="+mn-lt"/>
+                <a:cs typeface="Times"/>
+              </a:rPr>
+              <a:t>zł</a:t>
+            </a:r>
+            <a:endParaRPr lang="en-US">
+              <a:latin typeface="Times"/>
+              <a:ea typeface="+mn-lt"/>
+              <a:cs typeface="Times"/>
+            </a:endParaRPr>
+          </a:p>
+          <a:p>
+            <a:pPr>
+              <a:lnSpc>
+                <a:spcPct val="100000"/>
+              </a:lnSpc>
+            </a:pPr>
+            <a:r>
+              <a:rPr lang="en-US" dirty="0" err="1">
+                <a:latin typeface="Times"/>
+                <a:ea typeface="+mn-lt"/>
+                <a:cs typeface="Times"/>
+              </a:rPr>
+              <a:t>Stanowiska</a:t>
+            </a:r>
+            <a:r>
+              <a:rPr lang="en-US" dirty="0">
+                <a:latin typeface="Times"/>
+                <a:ea typeface="+mn-lt"/>
+                <a:cs typeface="Times"/>
+              </a:rPr>
+              <a:t>: 3 000zł x 8 =  24 000 </a:t>
+            </a:r>
+            <a:r>
+              <a:rPr lang="en-US" dirty="0" err="1">
+                <a:latin typeface="Times"/>
+                <a:ea typeface="+mn-lt"/>
+                <a:cs typeface="Times"/>
+              </a:rPr>
+              <a:t>zł</a:t>
+            </a:r>
+            <a:endParaRPr lang="en-US" dirty="0">
+              <a:latin typeface="Times"/>
+              <a:ea typeface="+mn-lt"/>
+              <a:cs typeface="Times"/>
+            </a:endParaRPr>
+          </a:p>
+          <a:p>
+            <a:pPr>
+              <a:lnSpc>
                 <a:spcPct val="200000"/>
               </a:lnSpc>
             </a:pPr>
@@ -12778,7 +12732,7 @@
               <a:rPr lang="en-US" dirty="0" err="1">
                 <a:latin typeface="Times"/>
                 <a:ea typeface="+mn-lt"/>
-                <a:cs typeface="+mn-lt"/>
+                <a:cs typeface="Times"/>
               </a:rPr>
               <a:t>Koszty</a:t>
             </a:r>
@@ -12786,7 +12740,7 @@
               <a:rPr lang="en-US" dirty="0">
                 <a:latin typeface="Times"/>
                 <a:ea typeface="+mn-lt"/>
-                <a:cs typeface="+mn-lt"/>
+                <a:cs typeface="Times"/>
               </a:rPr>
               <a:t> </a:t>
             </a:r>
@@ -12794,7 +12748,7 @@
               <a:rPr lang="en-US" dirty="0" err="1">
                 <a:latin typeface="Times"/>
                 <a:ea typeface="+mn-lt"/>
-                <a:cs typeface="+mn-lt"/>
+                <a:cs typeface="Times"/>
               </a:rPr>
               <a:t>projektu</a:t>
             </a:r>
@@ -12802,7 +12756,7 @@
               <a:rPr lang="en-US" dirty="0">
                 <a:latin typeface="Times"/>
                 <a:ea typeface="+mn-lt"/>
-                <a:cs typeface="+mn-lt"/>
+                <a:cs typeface="Times"/>
               </a:rPr>
               <a:t> </a:t>
             </a:r>
@@ -12810,7 +12764,7 @@
               <a:rPr lang="en-US" dirty="0" err="1">
                 <a:latin typeface="Times"/>
                 <a:ea typeface="+mn-lt"/>
-                <a:cs typeface="+mn-lt"/>
+                <a:cs typeface="Times"/>
               </a:rPr>
               <a:t>ShopMaster</a:t>
             </a:r>
@@ -12818,7 +12772,7 @@
               <a:rPr lang="en-US" dirty="0">
                 <a:latin typeface="Times"/>
                 <a:ea typeface="+mn-lt"/>
-                <a:cs typeface="+mn-lt"/>
+                <a:cs typeface="Times"/>
               </a:rPr>
               <a:t> </a:t>
             </a:r>
@@ -12826,7 +12780,7 @@
               <a:rPr lang="en-US" dirty="0" err="1">
                 <a:latin typeface="Times"/>
                 <a:ea typeface="+mn-lt"/>
-                <a:cs typeface="+mn-lt"/>
+                <a:cs typeface="Times"/>
               </a:rPr>
               <a:t>wynoszą</a:t>
             </a:r>
@@ -12834,350 +12788,13 @@
               <a:rPr lang="en-US" dirty="0">
                 <a:latin typeface="Times"/>
                 <a:ea typeface="+mn-lt"/>
-                <a:cs typeface="+mn-lt"/>
-              </a:rPr>
-              <a:t> 800,000 PLN, </a:t>
-            </a:r>
-            <a:r>
-              <a:rPr lang="en-US" dirty="0" err="1">
-                <a:latin typeface="Times"/>
-                <a:ea typeface="+mn-lt"/>
-                <a:cs typeface="+mn-lt"/>
-              </a:rPr>
-              <a:t>uwzględniając</a:t>
-            </a:r>
-            <a:r>
-              <a:rPr lang="en-US" dirty="0">
-                <a:latin typeface="Times"/>
-                <a:ea typeface="+mn-lt"/>
-                <a:cs typeface="+mn-lt"/>
-              </a:rPr>
-              <a:t> </a:t>
-            </a:r>
-            <a:r>
-              <a:rPr lang="en-US" dirty="0" err="1">
-                <a:latin typeface="Times"/>
-                <a:ea typeface="+mn-lt"/>
-                <a:cs typeface="+mn-lt"/>
-              </a:rPr>
-              <a:t>stawkę</a:t>
-            </a:r>
-            <a:r>
-              <a:rPr lang="en-US" dirty="0">
-                <a:latin typeface="Times"/>
-                <a:ea typeface="+mn-lt"/>
-                <a:cs typeface="+mn-lt"/>
-              </a:rPr>
-              <a:t> </a:t>
-            </a:r>
-            <a:r>
-              <a:rPr lang="en-US" dirty="0" err="1">
-                <a:latin typeface="Times"/>
-                <a:ea typeface="+mn-lt"/>
-                <a:cs typeface="+mn-lt"/>
-              </a:rPr>
-              <a:t>godzinową</a:t>
-            </a:r>
-            <a:r>
-              <a:rPr lang="en-US" dirty="0">
-                <a:latin typeface="Times"/>
-                <a:ea typeface="+mn-lt"/>
-                <a:cs typeface="+mn-lt"/>
-              </a:rPr>
-              <a:t> 60 PLN </a:t>
-            </a:r>
-            <a:r>
-              <a:rPr lang="en-US" dirty="0" err="1">
-                <a:latin typeface="Times"/>
-                <a:ea typeface="+mn-lt"/>
-                <a:cs typeface="+mn-lt"/>
-              </a:rPr>
-              <a:t>i</a:t>
-            </a:r>
-            <a:r>
-              <a:rPr lang="en-US" dirty="0">
-                <a:latin typeface="Times"/>
-                <a:ea typeface="+mn-lt"/>
-                <a:cs typeface="+mn-lt"/>
-              </a:rPr>
-              <a:t> </a:t>
-            </a:r>
-            <a:r>
-              <a:rPr lang="en-US" dirty="0" err="1">
-                <a:latin typeface="Times"/>
-                <a:ea typeface="+mn-lt"/>
-                <a:cs typeface="+mn-lt"/>
-              </a:rPr>
-              <a:t>koszty</a:t>
-            </a:r>
-            <a:r>
-              <a:rPr lang="en-US" dirty="0">
-                <a:latin typeface="Times"/>
-                <a:ea typeface="+mn-lt"/>
-                <a:cs typeface="+mn-lt"/>
-              </a:rPr>
-              <a:t> </a:t>
-            </a:r>
-            <a:r>
-              <a:rPr lang="en-US" dirty="0" err="1">
-                <a:latin typeface="Times"/>
-                <a:ea typeface="+mn-lt"/>
-                <a:cs typeface="+mn-lt"/>
-              </a:rPr>
-              <a:t>stanowisk</a:t>
-            </a:r>
-            <a:r>
-              <a:rPr lang="en-US" dirty="0">
-                <a:latin typeface="Times"/>
-                <a:ea typeface="+mn-lt"/>
-                <a:cs typeface="+mn-lt"/>
-              </a:rPr>
-              <a:t> </a:t>
-            </a:r>
-            <a:r>
-              <a:rPr lang="en-US" dirty="0" err="1">
-                <a:latin typeface="Times"/>
-                <a:ea typeface="+mn-lt"/>
-                <a:cs typeface="+mn-lt"/>
-              </a:rPr>
-              <a:t>pracy</a:t>
-            </a:r>
-            <a:r>
-              <a:rPr lang="en-US" dirty="0">
-                <a:latin typeface="Times"/>
-                <a:ea typeface="+mn-lt"/>
-                <a:cs typeface="+mn-lt"/>
-              </a:rPr>
-              <a:t>. </a:t>
-            </a:r>
-            <a:r>
-              <a:rPr lang="en-US" dirty="0" err="1">
-                <a:latin typeface="Times"/>
-                <a:ea typeface="+mn-lt"/>
-                <a:cs typeface="+mn-lt"/>
-              </a:rPr>
-              <a:t>Proszę</a:t>
-            </a:r>
-            <a:r>
-              <a:rPr lang="en-US" dirty="0">
-                <a:latin typeface="Times"/>
-                <a:ea typeface="+mn-lt"/>
-                <a:cs typeface="+mn-lt"/>
-              </a:rPr>
-              <a:t> </a:t>
-            </a:r>
-            <a:r>
-              <a:rPr lang="en-US" dirty="0" err="1">
-                <a:latin typeface="Times"/>
-                <a:ea typeface="+mn-lt"/>
-                <a:cs typeface="+mn-lt"/>
-              </a:rPr>
-              <a:t>pamiętać</a:t>
-            </a:r>
-            <a:r>
-              <a:rPr lang="en-US" dirty="0">
-                <a:latin typeface="Times"/>
-                <a:ea typeface="+mn-lt"/>
-                <a:cs typeface="+mn-lt"/>
-              </a:rPr>
-              <a:t>, </a:t>
-            </a:r>
-            <a:r>
-              <a:rPr lang="en-US" dirty="0" err="1">
-                <a:latin typeface="Times"/>
-                <a:ea typeface="+mn-lt"/>
-                <a:cs typeface="+mn-lt"/>
-              </a:rPr>
-              <a:t>że</a:t>
-            </a:r>
-            <a:r>
-              <a:rPr lang="en-US" dirty="0">
-                <a:latin typeface="Times"/>
-                <a:ea typeface="+mn-lt"/>
-                <a:cs typeface="+mn-lt"/>
-              </a:rPr>
-              <a:t> </a:t>
-            </a:r>
-            <a:r>
-              <a:rPr lang="en-US" dirty="0" err="1">
-                <a:latin typeface="Times"/>
-                <a:ea typeface="+mn-lt"/>
-                <a:cs typeface="+mn-lt"/>
-              </a:rPr>
-              <a:t>są</a:t>
-            </a:r>
-            <a:r>
-              <a:rPr lang="en-US" dirty="0">
-                <a:latin typeface="Times"/>
-                <a:ea typeface="+mn-lt"/>
-                <a:cs typeface="+mn-lt"/>
-              </a:rPr>
-              <a:t> to </a:t>
-            </a:r>
-            <a:r>
-              <a:rPr lang="en-US" dirty="0" err="1">
-                <a:latin typeface="Times"/>
-                <a:ea typeface="+mn-lt"/>
-                <a:cs typeface="+mn-lt"/>
-              </a:rPr>
-              <a:t>szacunkowe</a:t>
-            </a:r>
-            <a:r>
-              <a:rPr lang="en-US" dirty="0">
-                <a:latin typeface="Times"/>
-                <a:ea typeface="+mn-lt"/>
-                <a:cs typeface="+mn-lt"/>
-              </a:rPr>
-              <a:t> </a:t>
-            </a:r>
-            <a:r>
-              <a:rPr lang="en-US" dirty="0" err="1">
-                <a:latin typeface="Times"/>
-                <a:ea typeface="+mn-lt"/>
-                <a:cs typeface="+mn-lt"/>
-              </a:rPr>
-              <a:t>koszty</a:t>
-            </a:r>
-            <a:r>
-              <a:rPr lang="en-US" dirty="0">
-                <a:latin typeface="Times"/>
-                <a:ea typeface="+mn-lt"/>
-                <a:cs typeface="+mn-lt"/>
-              </a:rPr>
-              <a:t> </a:t>
-            </a:r>
-            <a:r>
-              <a:rPr lang="en-US" dirty="0" err="1">
-                <a:latin typeface="Times"/>
-                <a:ea typeface="+mn-lt"/>
-                <a:cs typeface="+mn-lt"/>
-              </a:rPr>
-              <a:t>i</a:t>
-            </a:r>
-            <a:r>
-              <a:rPr lang="en-US" dirty="0">
-                <a:latin typeface="Times"/>
-                <a:ea typeface="+mn-lt"/>
-                <a:cs typeface="+mn-lt"/>
-              </a:rPr>
-              <a:t> </a:t>
-            </a:r>
-            <a:r>
-              <a:rPr lang="en-US" dirty="0" err="1">
-                <a:latin typeface="Times"/>
-                <a:ea typeface="+mn-lt"/>
-                <a:cs typeface="+mn-lt"/>
-              </a:rPr>
-              <a:t>mogą</a:t>
-            </a:r>
-            <a:r>
-              <a:rPr lang="en-US" dirty="0">
-                <a:latin typeface="Times"/>
-                <a:ea typeface="+mn-lt"/>
-                <a:cs typeface="+mn-lt"/>
-              </a:rPr>
-              <a:t> </a:t>
-            </a:r>
-            <a:r>
-              <a:rPr lang="en-US" dirty="0" err="1">
-                <a:latin typeface="Times"/>
-                <a:ea typeface="+mn-lt"/>
-                <a:cs typeface="+mn-lt"/>
-              </a:rPr>
-              <a:t>ulec</a:t>
-            </a:r>
-            <a:r>
-              <a:rPr lang="en-US" dirty="0">
-                <a:latin typeface="Times"/>
-                <a:ea typeface="+mn-lt"/>
-                <a:cs typeface="+mn-lt"/>
-              </a:rPr>
-              <a:t> </a:t>
-            </a:r>
-            <a:r>
-              <a:rPr lang="en-US" dirty="0" err="1">
-                <a:latin typeface="Times"/>
-                <a:ea typeface="+mn-lt"/>
-                <a:cs typeface="+mn-lt"/>
-              </a:rPr>
-              <a:t>zmianie</a:t>
-            </a:r>
-            <a:r>
-              <a:rPr lang="en-US" dirty="0">
-                <a:latin typeface="Times"/>
-                <a:ea typeface="+mn-lt"/>
-                <a:cs typeface="+mn-lt"/>
-              </a:rPr>
-              <a:t> w </a:t>
-            </a:r>
-            <a:r>
-              <a:rPr lang="en-US" dirty="0" err="1">
-                <a:latin typeface="Times"/>
-                <a:ea typeface="+mn-lt"/>
-                <a:cs typeface="+mn-lt"/>
-              </a:rPr>
-              <a:t>zależności</a:t>
-            </a:r>
-            <a:r>
-              <a:rPr lang="en-US" dirty="0">
-                <a:latin typeface="Times"/>
-                <a:ea typeface="+mn-lt"/>
-                <a:cs typeface="+mn-lt"/>
-              </a:rPr>
-              <a:t> od </a:t>
-            </a:r>
-            <a:r>
-              <a:rPr lang="en-US" dirty="0" err="1">
-                <a:latin typeface="Times"/>
-                <a:ea typeface="+mn-lt"/>
-                <a:cs typeface="+mn-lt"/>
-              </a:rPr>
-              <a:t>konkretnej</a:t>
-            </a:r>
-            <a:r>
-              <a:rPr lang="en-US" dirty="0">
-                <a:latin typeface="Times"/>
-                <a:ea typeface="+mn-lt"/>
-                <a:cs typeface="+mn-lt"/>
-              </a:rPr>
-              <a:t> </a:t>
-            </a:r>
-            <a:r>
-              <a:rPr lang="en-US" dirty="0" err="1">
-                <a:latin typeface="Times"/>
-                <a:ea typeface="+mn-lt"/>
-                <a:cs typeface="+mn-lt"/>
-              </a:rPr>
-              <a:t>implementacji</a:t>
-            </a:r>
-            <a:r>
-              <a:rPr lang="en-US" dirty="0">
-                <a:latin typeface="Times"/>
-                <a:ea typeface="+mn-lt"/>
-                <a:cs typeface="+mn-lt"/>
-              </a:rPr>
-              <a:t> </a:t>
-            </a:r>
-            <a:r>
-              <a:rPr lang="en-US" dirty="0" err="1">
-                <a:latin typeface="Times"/>
-                <a:ea typeface="+mn-lt"/>
-                <a:cs typeface="+mn-lt"/>
-              </a:rPr>
-              <a:t>projektu</a:t>
-            </a:r>
-            <a:r>
-              <a:rPr lang="en-US" dirty="0">
-                <a:latin typeface="Times"/>
-                <a:ea typeface="+mn-lt"/>
-                <a:cs typeface="+mn-lt"/>
-              </a:rPr>
-              <a:t>.</a:t>
-            </a:r>
-            <a:endParaRPr lang="pl-PL" dirty="0">
+                <a:cs typeface="Times"/>
+              </a:rPr>
+              <a:t> 350 000 PLN.</a:t>
+            </a:r>
+            <a:endParaRPr lang="en-US" dirty="0">
               <a:latin typeface="Times"/>
-              <a:ea typeface="+mn-lt"/>
-              <a:cs typeface="+mn-lt"/>
+              <a:cs typeface="Times"/>
             </a:endParaRPr>
           </a:p>
         </p:txBody>
@@ -13239,7 +12856,7 @@
           <a:lstStyle/>
           <a:p>
             <a:r>
-              <a:rPr lang="en-US" dirty="0" err="1"/>
+              <a:rPr lang="en-US" err="1"/>
               <a:t>Podsumowanie</a:t>
             </a:r>
           </a:p>
@@ -13283,7 +12900,15 @@
             </a:r>
             <a:r>
               <a:rPr lang="pl-PL" dirty="0"/>
-              <a:t> jest przygotowany na okres 12 miesięcy realizacji, przy szacunkowych kosztach wynoszących 800,000 PLN. Warto zaznaczyć, że są to przybliżone liczby i istnieje możliwość ich dostosowania w trakcie dalszych etapów projektu. Nasza determinacja i zaangażowanie pozostają niezmienne, a celem jest osiągnięcie sukcesu projektu.</a:t>
+              <a:t> jest przygotowany na okres 5 miesięcy </a:t>
+            </a:r>
+            <a:r>
+              <a:rPr lang="pl-PL"/>
+              <a:t>realizacji, przy szacunkowych kosztach wynoszących 350,000 </a:t>
+            </a:r>
+            <a:r>
+              <a:rPr lang="pl-PL" dirty="0"/>
+              <a:t>PLN. Warto zaznaczyć, że są to przybliżone liczby i istnieje możliwość ich dostosowania w trakcie dalszych etapów projektu. Nasza determinacja i zaangażowanie pozostają niezmienne, a celem jest osiągnięcie sukcesu projektu.</a:t>
             </a:r>
             <a:endParaRPr lang="en-US" dirty="0"/>
           </a:p>
@@ -13361,7 +12986,7 @@
               <a:t>Dlaczego</a:t>
             </a:r>
             <a:r>
-              <a:rPr lang="en-US" sz="4000" dirty="0">
+              <a:rPr lang="en-US" sz="4000">
                 <a:latin typeface="Times New Roman"/>
                 <a:ea typeface="+mj-lt"/>
                 <a:cs typeface="Arial"/>
@@ -13377,7 +13002,7 @@
               <a:t>tu</a:t>
             </a:r>
             <a:r>
-              <a:rPr lang="en-US" sz="4000" dirty="0">
+              <a:rPr lang="en-US" sz="4000">
                 <a:latin typeface="Times New Roman"/>
                 <a:ea typeface="+mj-lt"/>
                 <a:cs typeface="Arial"/>
@@ -13448,14 +13073,14 @@
               </a:lnSpc>
             </a:pPr>
             <a:r>
-              <a:rPr lang="pl-PL" sz="2500" dirty="0">
+              <a:rPr lang="pl-PL" sz="2500">
                 <a:latin typeface="Times"/>
                 <a:ea typeface="+mn-lt"/>
                 <a:cs typeface="+mn-lt"/>
               </a:rPr>
               <a:t>Zdecydowaliśmy się na ten projekt, aby dostarczyć klientom innowacyjne rozwiązanie, umożliwiając im podejmowanie świadomych decyzji, rozwiązywanie konfliktów i tworzenie innowacyjnych rozwiązań w zarządzaniu sklepami internetowymi.</a:t>
             </a:r>
-            <a:endParaRPr lang="pl-PL" dirty="0">
+            <a:endParaRPr lang="pl-PL">
               <a:latin typeface="Times"/>
               <a:ea typeface="+mn-lt"/>
               <a:cs typeface="+mn-lt"/>
@@ -13467,7 +13092,7 @@
                 <a:spcPct val="100000"/>
               </a:lnSpc>
             </a:pPr>
-            <a:endParaRPr lang="pl-PL" sz="2500" dirty="0">
+            <a:endParaRPr lang="pl-PL" sz="2500">
               <a:latin typeface="Times"/>
             </a:endParaRPr>
           </a:p>
@@ -13530,20 +13155,12 @@
           <a:lstStyle/>
           <a:p>
             <a:r>
-              <a:rPr lang="en-US" sz="4000" b="1" i="1" dirty="0">
-                <a:latin typeface="Arial"/>
-                <a:ea typeface="+mj-lt"/>
-                <a:cs typeface="Arial"/>
-              </a:rPr>
-              <a:t>elevator </a:t>
-            </a:r>
-            <a:r>
               <a:rPr lang="en-US" sz="4000" b="1" i="1">
                 <a:latin typeface="Arial"/>
                 <a:ea typeface="+mj-lt"/>
                 <a:cs typeface="Arial"/>
               </a:rPr>
-              <a:t>pitch</a:t>
+              <a:t>elevator pitch</a:t>
             </a:r>
             <a:endParaRPr lang="pl-PL" sz="4000" b="1">
               <a:latin typeface="Arial"/>
@@ -13594,7 +13211,7 @@
               <a:t>Dla</a:t>
             </a:r>
             <a:r>
-              <a:rPr lang="en-US" sz="2000" dirty="0">
+              <a:rPr lang="en-US" sz="2000">
                 <a:latin typeface="Times"/>
                 <a:ea typeface="+mn-lt"/>
                 <a:cs typeface="+mn-lt"/>
@@ -13610,7 +13227,7 @@
               <a:t>przedsiębiorców</a:t>
             </a:r>
             <a:r>
-              <a:rPr lang="en-US" sz="2000" dirty="0">
+              <a:rPr lang="en-US" sz="2000">
                 <a:latin typeface="Times"/>
                 <a:ea typeface="+mn-lt"/>
                 <a:cs typeface="+mn-lt"/>
@@ -13626,7 +13243,7 @@
               <a:t>nasze</a:t>
             </a:r>
             <a:r>
-              <a:rPr lang="en-US" sz="2000" dirty="0">
+              <a:rPr lang="en-US" sz="2000">
                 <a:latin typeface="Times"/>
                 <a:ea typeface="+mn-lt"/>
                 <a:cs typeface="+mn-lt"/>
@@ -13642,7 +13259,7 @@
               <a:t>oprogramowanie</a:t>
             </a:r>
             <a:r>
-              <a:rPr lang="en-US" sz="2000" dirty="0">
+              <a:rPr lang="en-US" sz="2000">
                 <a:latin typeface="Times"/>
                 <a:ea typeface="+mn-lt"/>
                 <a:cs typeface="+mn-lt"/>
@@ -13658,7 +13275,7 @@
               <a:t>ShopMaster</a:t>
             </a:r>
             <a:r>
-              <a:rPr lang="en-US" sz="2000" dirty="0">
+              <a:rPr lang="en-US" sz="2000">
                 <a:latin typeface="Times"/>
                 <a:ea typeface="+mn-lt"/>
                 <a:cs typeface="+mn-lt"/>
@@ -13674,7 +13291,7 @@
               <a:t>wszechstronne</a:t>
             </a:r>
             <a:r>
-              <a:rPr lang="en-US" sz="2000" dirty="0">
+              <a:rPr lang="en-US" sz="2000">
                 <a:latin typeface="Times"/>
                 <a:ea typeface="+mn-lt"/>
                 <a:cs typeface="+mn-lt"/>
@@ -13690,7 +13307,7 @@
               <a:t>narzędzie</a:t>
             </a:r>
             <a:r>
-              <a:rPr lang="en-US" sz="2000" dirty="0">
+              <a:rPr lang="en-US" sz="2000">
                 <a:latin typeface="Times"/>
                 <a:ea typeface="+mn-lt"/>
                 <a:cs typeface="+mn-lt"/>
@@ -13706,7 +13323,7 @@
               <a:t>zarządzania</a:t>
             </a:r>
             <a:r>
-              <a:rPr lang="en-US" sz="2000" dirty="0">
+              <a:rPr lang="en-US" sz="2000">
                 <a:latin typeface="Times"/>
                 <a:ea typeface="+mn-lt"/>
                 <a:cs typeface="+mn-lt"/>
@@ -13722,7 +13339,7 @@
               <a:t>sklepami</a:t>
             </a:r>
             <a:r>
-              <a:rPr lang="en-US" sz="2000" dirty="0">
+              <a:rPr lang="en-US" sz="2000">
                 <a:latin typeface="Times"/>
                 <a:ea typeface="+mn-lt"/>
                 <a:cs typeface="+mn-lt"/>
@@ -13738,7 +13355,7 @@
               <a:t>internetowymi</a:t>
             </a:r>
             <a:r>
-              <a:rPr lang="en-US" sz="2000" dirty="0">
+              <a:rPr lang="en-US" sz="2000">
                 <a:latin typeface="Times"/>
                 <a:ea typeface="+mn-lt"/>
                 <a:cs typeface="+mn-lt"/>
@@ -13754,7 +13371,7 @@
               <a:t>oferujące</a:t>
             </a:r>
             <a:r>
-              <a:rPr lang="en-US" sz="2000" dirty="0">
+              <a:rPr lang="en-US" sz="2000">
                 <a:latin typeface="Times"/>
                 <a:ea typeface="+mn-lt"/>
                 <a:cs typeface="+mn-lt"/>
@@ -13770,7 +13387,7 @@
               <a:t>intuicyjny</a:t>
             </a:r>
             <a:r>
-              <a:rPr lang="en-US" sz="2000" dirty="0">
+              <a:rPr lang="en-US" sz="2000">
                 <a:latin typeface="Times"/>
                 <a:ea typeface="+mn-lt"/>
                 <a:cs typeface="+mn-lt"/>
@@ -13786,7 +13403,7 @@
               <a:t>interfejs</a:t>
             </a:r>
             <a:r>
-              <a:rPr lang="en-US" sz="2000" dirty="0">
+              <a:rPr lang="en-US" sz="2000">
                 <a:latin typeface="Times"/>
                 <a:ea typeface="+mn-lt"/>
                 <a:cs typeface="+mn-lt"/>
@@ -13802,7 +13419,7 @@
               <a:t>oraz</a:t>
             </a:r>
             <a:r>
-              <a:rPr lang="en-US" sz="2000" dirty="0">
+              <a:rPr lang="en-US" sz="2000">
                 <a:latin typeface="Times"/>
                 <a:ea typeface="+mn-lt"/>
                 <a:cs typeface="+mn-lt"/>
@@ -13818,7 +13435,7 @@
               <a:t>pełne</a:t>
             </a:r>
             <a:r>
-              <a:rPr lang="en-US" sz="2000" dirty="0">
+              <a:rPr lang="en-US" sz="2000">
                 <a:latin typeface="Times"/>
                 <a:ea typeface="+mn-lt"/>
                 <a:cs typeface="+mn-lt"/>
@@ -13834,7 +13451,7 @@
               <a:t>wsparcie</a:t>
             </a:r>
             <a:r>
-              <a:rPr lang="en-US" sz="2000" dirty="0">
+              <a:rPr lang="en-US" sz="2000">
                 <a:latin typeface="Times"/>
                 <a:ea typeface="+mn-lt"/>
                 <a:cs typeface="+mn-lt"/>
@@ -13850,7 +13467,7 @@
               <a:t>obszarze</a:t>
             </a:r>
             <a:r>
-              <a:rPr lang="en-US" sz="2000" dirty="0">
+              <a:rPr lang="en-US" sz="2000">
                 <a:latin typeface="Times"/>
                 <a:ea typeface="+mn-lt"/>
                 <a:cs typeface="+mn-lt"/>
@@ -13866,7 +13483,7 @@
               <a:t>produktów</a:t>
             </a:r>
             <a:r>
-              <a:rPr lang="en-US" sz="2000" dirty="0">
+              <a:rPr lang="en-US" sz="2000">
                 <a:latin typeface="Times"/>
                 <a:ea typeface="+mn-lt"/>
                 <a:cs typeface="+mn-lt"/>
@@ -13882,7 +13499,7 @@
               <a:t>zamówień</a:t>
             </a:r>
             <a:r>
-              <a:rPr lang="en-US" sz="2000" dirty="0">
+              <a:rPr lang="en-US" sz="2000">
                 <a:latin typeface="Times"/>
                 <a:ea typeface="+mn-lt"/>
                 <a:cs typeface="+mn-lt"/>
@@ -13898,7 +13515,7 @@
               <a:t>płatności</a:t>
             </a:r>
             <a:r>
-              <a:rPr lang="en-US" sz="2000" dirty="0">
+              <a:rPr lang="en-US" sz="2000">
                 <a:latin typeface="Times"/>
                 <a:ea typeface="+mn-lt"/>
                 <a:cs typeface="+mn-lt"/>
@@ -13914,7 +13531,7 @@
               <a:t>faktur</a:t>
             </a:r>
             <a:r>
-              <a:rPr lang="en-US" sz="2000" dirty="0">
+              <a:rPr lang="en-US" sz="2000">
                 <a:latin typeface="Times"/>
                 <a:ea typeface="+mn-lt"/>
                 <a:cs typeface="+mn-lt"/>
@@ -13930,7 +13547,7 @@
               <a:t>i</a:t>
             </a:r>
             <a:r>
-              <a:rPr lang="en-US" sz="2000" dirty="0">
+              <a:rPr lang="en-US" sz="2000">
                 <a:latin typeface="Times"/>
                 <a:ea typeface="+mn-lt"/>
                 <a:cs typeface="+mn-lt"/>
@@ -13946,7 +13563,7 @@
               <a:t>promocji</a:t>
             </a:r>
             <a:r>
-              <a:rPr lang="en-US" sz="2000" dirty="0">
+              <a:rPr lang="en-US" sz="2000">
                 <a:latin typeface="Times"/>
                 <a:ea typeface="+mn-lt"/>
                 <a:cs typeface="+mn-lt"/>
@@ -13962,7 +13579,7 @@
               <a:t>Wyróżnia</a:t>
             </a:r>
             <a:r>
-              <a:rPr lang="en-US" sz="2000" dirty="0">
+              <a:rPr lang="en-US" sz="2000">
                 <a:latin typeface="Times"/>
                 <a:ea typeface="+mn-lt"/>
                 <a:cs typeface="+mn-lt"/>
@@ -13978,7 +13595,7 @@
               <a:t>się</a:t>
             </a:r>
             <a:r>
-              <a:rPr lang="en-US" sz="2000" dirty="0">
+              <a:rPr lang="en-US" sz="2000">
                 <a:latin typeface="Times"/>
                 <a:ea typeface="+mn-lt"/>
                 <a:cs typeface="+mn-lt"/>
@@ -13994,7 +13611,7 @@
               <a:t>spośród</a:t>
             </a:r>
             <a:r>
-              <a:rPr lang="en-US" sz="2000" dirty="0">
+              <a:rPr lang="en-US" sz="2000">
                 <a:latin typeface="Times"/>
                 <a:ea typeface="+mn-lt"/>
                 <a:cs typeface="+mn-lt"/>
@@ -14010,7 +13627,7 @@
               <a:t>konkurencyjnych</a:t>
             </a:r>
             <a:r>
-              <a:rPr lang="en-US" sz="2000" dirty="0">
+              <a:rPr lang="en-US" sz="2000">
                 <a:latin typeface="Times"/>
                 <a:ea typeface="+mn-lt"/>
                 <a:cs typeface="+mn-lt"/>
@@ -14026,7 +13643,7 @@
               <a:t>rozwiązań</a:t>
             </a:r>
             <a:r>
-              <a:rPr lang="en-US" sz="2000" dirty="0">
+              <a:rPr lang="en-US" sz="2000">
                 <a:latin typeface="Times"/>
                 <a:ea typeface="+mn-lt"/>
                 <a:cs typeface="+mn-lt"/>
@@ -14042,7 +13659,7 @@
               <a:t>dzięki</a:t>
             </a:r>
             <a:r>
-              <a:rPr lang="en-US" sz="2000" dirty="0">
+              <a:rPr lang="en-US" sz="2000">
                 <a:latin typeface="Times"/>
                 <a:ea typeface="+mn-lt"/>
                 <a:cs typeface="+mn-lt"/>
@@ -14058,7 +13675,7 @@
               <a:t>swojej</a:t>
             </a:r>
             <a:r>
-              <a:rPr lang="en-US" sz="2000" dirty="0">
+              <a:rPr lang="en-US" sz="2000">
                 <a:latin typeface="Times"/>
                 <a:ea typeface="+mn-lt"/>
                 <a:cs typeface="+mn-lt"/>
@@ -14074,7 +13691,7 @@
               <a:t>kompleksowości</a:t>
             </a:r>
             <a:r>
-              <a:rPr lang="en-US" sz="2000" dirty="0">
+              <a:rPr lang="en-US" sz="2000">
                 <a:latin typeface="Times"/>
                 <a:ea typeface="+mn-lt"/>
                 <a:cs typeface="+mn-lt"/>
@@ -14090,7 +13707,7 @@
               <a:t>i</a:t>
             </a:r>
             <a:r>
-              <a:rPr lang="en-US" sz="2000" dirty="0">
+              <a:rPr lang="en-US" sz="2000">
                 <a:latin typeface="Times"/>
                 <a:ea typeface="+mn-lt"/>
                 <a:cs typeface="+mn-lt"/>
@@ -14106,7 +13723,7 @@
               <a:t>możliwości</a:t>
             </a:r>
             <a:r>
-              <a:rPr lang="en-US" sz="2000" dirty="0">
+              <a:rPr lang="en-US" sz="2000">
                 <a:latin typeface="Times"/>
                 <a:ea typeface="+mn-lt"/>
                 <a:cs typeface="+mn-lt"/>
@@ -14122,7 +13739,7 @@
               <a:t>podejmowania</a:t>
             </a:r>
             <a:r>
-              <a:rPr lang="en-US" sz="2000" dirty="0">
+              <a:rPr lang="en-US" sz="2000">
                 <a:latin typeface="Times"/>
                 <a:ea typeface="+mn-lt"/>
                 <a:cs typeface="+mn-lt"/>
@@ -14138,7 +13755,7 @@
               <a:t>lepszych</a:t>
             </a:r>
             <a:r>
-              <a:rPr lang="en-US" sz="2000" dirty="0">
+              <a:rPr lang="en-US" sz="2000">
                 <a:latin typeface="Times"/>
                 <a:ea typeface="+mn-lt"/>
                 <a:cs typeface="+mn-lt"/>
@@ -14154,7 +13771,7 @@
               <a:t>bardziej</a:t>
             </a:r>
             <a:r>
-              <a:rPr lang="en-US" sz="2000" dirty="0">
+              <a:rPr lang="en-US" sz="2000">
                 <a:latin typeface="Times"/>
                 <a:ea typeface="+mn-lt"/>
                 <a:cs typeface="+mn-lt"/>
@@ -14170,7 +13787,7 @@
               <a:t>świadomych</a:t>
             </a:r>
             <a:r>
-              <a:rPr lang="en-US" sz="2000" dirty="0">
+              <a:rPr lang="en-US" sz="2000">
                 <a:latin typeface="Times"/>
                 <a:ea typeface="+mn-lt"/>
                 <a:cs typeface="+mn-lt"/>
@@ -14186,7 +13803,7 @@
               <a:t>decyzji</a:t>
             </a:r>
             <a:r>
-              <a:rPr lang="en-US" sz="2000" dirty="0">
+              <a:rPr lang="en-US" sz="2000">
                 <a:latin typeface="Times"/>
                 <a:ea typeface="+mn-lt"/>
                 <a:cs typeface="+mn-lt"/>
@@ -14202,7 +13819,7 @@
               <a:t>biznesie</a:t>
             </a:r>
             <a:r>
-              <a:rPr lang="en-US" sz="2000" dirty="0">
+              <a:rPr lang="en-US" sz="2000">
                 <a:latin typeface="Times"/>
                 <a:ea typeface="+mn-lt"/>
                 <a:cs typeface="+mn-lt"/>
@@ -14642,7 +14259,7 @@
                     <a:p>
                       <a:pPr algn="ctr"/>
                       <a:r>
-                        <a:rPr lang="pl-PL" sz="1200" dirty="0">
+                        <a:rPr lang="pl-PL" sz="1200">
                           <a:solidFill>
                             <a:schemeClr val="tx1"/>
                           </a:solidFill>
@@ -14650,7 +14267,7 @@
                         </a:rPr>
                         <a:t>W zakresie projektu:</a:t>
                       </a:r>
-                      <a:endParaRPr lang="pl-PL" sz="1200" dirty="0">
+                      <a:endParaRPr lang="pl-PL" sz="1200">
                         <a:latin typeface="Times New Roman"/>
                       </a:endParaRPr>
                     </a:p>
@@ -14688,7 +14305,7 @@
                     <a:p>
                       <a:pPr algn="ctr"/>
                       <a:r>
-                        <a:rPr lang="pl-PL" sz="1200" dirty="0">
+                        <a:rPr lang="pl-PL" sz="1200">
                           <a:solidFill>
                             <a:schemeClr val="tx1"/>
                           </a:solidFill>
@@ -14749,12 +14366,12 @@
                         <a:buNone/>
                       </a:pPr>
                       <a:r>
-                        <a:rPr lang="pl-PL" sz="1400" b="0" i="0" u="none" strike="noStrike" noProof="0" dirty="0">
+                        <a:rPr lang="pl-PL" sz="1400" b="0" i="0" u="none" strike="noStrike" noProof="0">
                           <a:latin typeface="Times New Roman"/>
                         </a:rPr>
                         <a:t>1. Zarządzanie produktami: Dodawanie, edycja i usuwanie produktów w sklepie internetowym, zarządzanie cenami i stanem magazynowym. </a:t>
                       </a:r>
-                      <a:endParaRPr lang="pl-PL" sz="1400" dirty="0">
+                      <a:endParaRPr lang="pl-PL" sz="1400">
                         <a:latin typeface="Times New Roman"/>
                       </a:endParaRPr>
                     </a:p>
@@ -14789,12 +14406,12 @@
                         <a:buNone/>
                       </a:pPr>
                       <a:r>
-                        <a:rPr lang="pl-PL" sz="1400" b="0" i="0" u="none" strike="noStrike" noProof="0" dirty="0">
+                        <a:rPr lang="pl-PL" sz="1400" b="0" i="0" u="none" strike="noStrike" noProof="0">
                           <a:latin typeface="Times New Roman"/>
                         </a:rPr>
                         <a:t>2. Obsługa zamówień i płatności: Przyjmowanie zamówień online, obsługa płatności elektronicznych i generowanie faktur. </a:t>
                       </a:r>
-                      <a:endParaRPr lang="pl-PL" sz="1400" dirty="0">
+                      <a:endParaRPr lang="pl-PL" sz="1400">
                         <a:latin typeface="Times New Roman"/>
                       </a:endParaRPr>
                     </a:p>
@@ -14829,12 +14446,12 @@
                         <a:buNone/>
                       </a:pPr>
                       <a:r>
-                        <a:rPr lang="pl-PL" sz="1400" b="0" i="0" u="none" strike="noStrike" noProof="0" dirty="0">
+                        <a:rPr lang="pl-PL" sz="1400" b="0" i="0" u="none" strike="noStrike" noProof="0">
                           <a:latin typeface="Times New Roman"/>
                         </a:rPr>
                         <a:t>3. Tworzenie i zarządzanie promocjami, w tym możliwość korzystania z kodów rabatowych. </a:t>
                       </a:r>
-                      <a:endParaRPr lang="pl-PL" sz="1400" dirty="0">
+                      <a:endParaRPr lang="pl-PL" sz="1400">
                         <a:latin typeface="Times New Roman"/>
                       </a:endParaRPr>
                     </a:p>
@@ -15095,7 +14712,7 @@
                     <a:p>
                       <a:pPr algn="ctr"/>
                       <a:r>
-                        <a:rPr lang="pl-PL" sz="1400" dirty="0">
+                        <a:rPr lang="pl-PL" sz="1400">
                           <a:solidFill>
                             <a:schemeClr val="tx1"/>
                           </a:solidFill>
@@ -15103,7 +14720,7 @@
                         </a:rPr>
                         <a:t>Nieokreślone:</a:t>
                       </a:r>
-                      <a:endParaRPr lang="pl-PL" sz="1400" dirty="0">
+                      <a:endParaRPr lang="pl-PL" sz="1400">
                         <a:latin typeface="Times New Roman"/>
                       </a:endParaRPr>
                     </a:p>
@@ -15144,12 +14761,12 @@
                         <a:buNone/>
                       </a:pPr>
                       <a:r>
-                        <a:rPr lang="pl-PL" sz="1400" b="0" i="0" u="none" strike="noStrike" noProof="0" dirty="0">
+                        <a:rPr lang="pl-PL" sz="1400" b="0" i="0" u="none" strike="noStrike" noProof="0">
                           <a:latin typeface="Times New Roman"/>
                         </a:rPr>
                         <a:t>1. Dokładne terminy projektu i harmonogram działań. </a:t>
                       </a:r>
-                      <a:endParaRPr lang="pl-PL" sz="1400" dirty="0">
+                      <a:endParaRPr lang="pl-PL" sz="1400">
                         <a:latin typeface="Times New Roman"/>
                       </a:endParaRPr>
                     </a:p>
@@ -15184,12 +14801,12 @@
                         <a:buNone/>
                       </a:pPr>
                       <a:r>
-                        <a:rPr lang="pl-PL" sz="1400" b="0" i="0" u="none" strike="noStrike" noProof="0" dirty="0">
+                        <a:rPr lang="pl-PL" sz="1400" b="0" i="0" u="none" strike="noStrike" noProof="0">
                           <a:latin typeface="Times New Roman"/>
                         </a:rPr>
                         <a:t>2. Konkretne szczegóły dotyczące integracji z istniejącymi systemami klienta. </a:t>
                       </a:r>
-                      <a:endParaRPr lang="pl-PL" sz="1400" dirty="0">
+                      <a:endParaRPr lang="pl-PL" sz="1400">
                         <a:latin typeface="Times New Roman"/>
                       </a:endParaRPr>
                     </a:p>
@@ -15224,12 +14841,12 @@
                         <a:buNone/>
                       </a:pPr>
                       <a:r>
-                        <a:rPr lang="pl-PL" sz="1400" b="0" i="0" u="none" strike="noStrike" noProof="0" dirty="0">
+                        <a:rPr lang="pl-PL" sz="1400" b="0" i="0" u="none" strike="noStrike" noProof="0">
                           <a:latin typeface="Times New Roman"/>
                         </a:rPr>
                         <a:t>3. Liczba użytkowników, którzy będą korzystać z oprogramowania. </a:t>
                       </a:r>
-                      <a:endParaRPr lang="pl-PL" sz="1400" dirty="0">
+                      <a:endParaRPr lang="pl-PL" sz="1400">
                         <a:latin typeface="Times New Roman"/>
                       </a:endParaRPr>
                     </a:p>
@@ -15264,12 +14881,12 @@
                         <a:buNone/>
                       </a:pPr>
                       <a:r>
-                        <a:rPr lang="pl-PL" sz="1400" b="0" i="0" u="none" strike="noStrike" noProof="0" dirty="0">
+                        <a:rPr lang="pl-PL" sz="1400" b="0" i="0" u="none" strike="noStrike" noProof="0">
                           <a:latin typeface="Times New Roman"/>
                         </a:rPr>
                         <a:t>4. Dokładny budżet projektu i koszty dodatkowe, które mogą się pojawić. </a:t>
                       </a:r>
-                      <a:endParaRPr lang="pl-PL" sz="1400" dirty="0">
+                      <a:endParaRPr lang="pl-PL" sz="1400">
                         <a:latin typeface="Times New Roman"/>
                       </a:endParaRPr>
                     </a:p>
@@ -15304,12 +14921,12 @@
                         <a:buNone/>
                       </a:pPr>
                       <a:r>
-                        <a:rPr lang="pl-PL" sz="1400" b="0" i="0" u="none" strike="noStrike" noProof="0" dirty="0">
+                        <a:rPr lang="pl-PL" sz="1400" b="0" i="0" u="none" strike="noStrike" noProof="0">
                           <a:latin typeface="Times New Roman"/>
                         </a:rPr>
                         <a:t>5. Szczegóły dotyczące testów i wdrożenia oprogramowania. </a:t>
                       </a:r>
-                      <a:endParaRPr lang="pl-PL" sz="1400" dirty="0">
+                      <a:endParaRPr lang="pl-PL" sz="1400">
                         <a:latin typeface="Times New Roman"/>
                       </a:endParaRPr>
                     </a:p>
@@ -15425,26 +15042,26 @@
           <a:lstStyle/>
           <a:p>
             <a:r>
-              <a:rPr lang="en-US" dirty="0" err="1"/>
+              <a:rPr lang="en-US" err="1"/>
               <a:t>ShopMaster</a:t>
             </a:r>
             <a:r>
-              <a:rPr lang="en-US" dirty="0"/>
+              <a:rPr lang="en-US"/>
               <a:t> od </a:t>
             </a:r>
             <a:r>
-              <a:rPr lang="en-US" dirty="0" err="1"/>
+              <a:rPr lang="en-US" err="1"/>
               <a:t>strony</a:t>
             </a:r>
             <a:r>
-              <a:rPr lang="en-US" dirty="0"/>
+              <a:rPr lang="en-US"/>
               <a:t> </a:t>
             </a:r>
             <a:r>
-              <a:rPr lang="en-US" dirty="0" err="1"/>
+              <a:rPr lang="en-US" err="1"/>
               <a:t>klienta</a:t>
             </a:r>
-            <a:endParaRPr lang="pl-PL" dirty="0" err="1"/>
+            <a:endParaRPr lang="pl-PL" err="1"/>
           </a:p>
         </p:txBody>
       </p:sp>
@@ -15478,125 +15095,125 @@
               <a:buChar char="•"/>
             </a:pPr>
             <a:r>
-              <a:rPr lang="en-US" b="1" dirty="0">
+              <a:rPr lang="en-US" b="1">
                 <a:ea typeface="+mn-lt"/>
                 <a:cs typeface="+mn-lt"/>
               </a:rPr>
               <a:t> </a:t>
             </a:r>
             <a:r>
-              <a:rPr lang="en-US" b="1" dirty="0" err="1">
+              <a:rPr lang="en-US" b="1" err="1">
                 <a:ea typeface="+mn-lt"/>
                 <a:cs typeface="+mn-lt"/>
               </a:rPr>
               <a:t>Zespół</a:t>
             </a:r>
             <a:r>
-              <a:rPr lang="en-US" b="1" dirty="0">
+              <a:rPr lang="en-US" b="1">
                 <a:ea typeface="+mn-lt"/>
                 <a:cs typeface="+mn-lt"/>
               </a:rPr>
               <a:t> ds. </a:t>
             </a:r>
             <a:r>
-              <a:rPr lang="en-US" b="1" dirty="0" err="1">
+              <a:rPr lang="en-US" b="1" err="1">
                 <a:ea typeface="+mn-lt"/>
                 <a:cs typeface="+mn-lt"/>
               </a:rPr>
               <a:t>Bezpieczeństwa</a:t>
             </a:r>
             <a:r>
-              <a:rPr lang="en-US" b="1" dirty="0">
+              <a:rPr lang="en-US" b="1">
                 <a:ea typeface="+mn-lt"/>
                 <a:cs typeface="+mn-lt"/>
               </a:rPr>
               <a:t> </a:t>
             </a:r>
             <a:r>
-              <a:rPr lang="en-US" b="1" dirty="0" err="1">
+              <a:rPr lang="en-US" b="1" err="1">
                 <a:ea typeface="+mn-lt"/>
                 <a:cs typeface="+mn-lt"/>
               </a:rPr>
               <a:t>Informacji</a:t>
             </a:r>
             <a:r>
-              <a:rPr lang="en-US" b="1" dirty="0">
+              <a:rPr lang="en-US" b="1">
                 <a:ea typeface="+mn-lt"/>
                 <a:cs typeface="+mn-lt"/>
               </a:rPr>
               <a:t>: </a:t>
             </a:r>
             <a:r>
-              <a:rPr lang="en-US" dirty="0" err="1">
+              <a:rPr lang="en-US" err="1">
                 <a:ea typeface="+mn-lt"/>
                 <a:cs typeface="+mn-lt"/>
               </a:rPr>
               <a:t>Konsultacje</a:t>
             </a:r>
             <a:r>
-              <a:rPr lang="en-US" dirty="0">
+              <a:rPr lang="en-US">
                 <a:ea typeface="+mn-lt"/>
                 <a:cs typeface="+mn-lt"/>
               </a:rPr>
               <a:t> z </a:t>
             </a:r>
             <a:r>
-              <a:rPr lang="en-US" dirty="0" err="1">
+              <a:rPr lang="en-US" err="1">
                 <a:ea typeface="+mn-lt"/>
                 <a:cs typeface="+mn-lt"/>
               </a:rPr>
               <a:t>ekspertami</a:t>
             </a:r>
             <a:r>
-              <a:rPr lang="en-US" dirty="0">
+              <a:rPr lang="en-US">
                 <a:ea typeface="+mn-lt"/>
                 <a:cs typeface="+mn-lt"/>
               </a:rPr>
               <a:t> ds. </a:t>
             </a:r>
             <a:r>
-              <a:rPr lang="en-US" dirty="0" err="1">
+              <a:rPr lang="en-US" err="1">
                 <a:ea typeface="+mn-lt"/>
                 <a:cs typeface="+mn-lt"/>
               </a:rPr>
               <a:t>bezpieczeństwa</a:t>
             </a:r>
             <a:r>
-              <a:rPr lang="en-US" dirty="0">
+              <a:rPr lang="en-US">
                 <a:ea typeface="+mn-lt"/>
                 <a:cs typeface="+mn-lt"/>
               </a:rPr>
               <a:t> w </a:t>
             </a:r>
             <a:r>
-              <a:rPr lang="en-US" dirty="0" err="1">
+              <a:rPr lang="en-US" err="1">
                 <a:ea typeface="+mn-lt"/>
                 <a:cs typeface="+mn-lt"/>
               </a:rPr>
               <a:t>firmie</a:t>
             </a:r>
             <a:r>
-              <a:rPr lang="en-US" dirty="0">
+              <a:rPr lang="en-US">
                 <a:ea typeface="+mn-lt"/>
                 <a:cs typeface="+mn-lt"/>
               </a:rPr>
               <a:t> </a:t>
             </a:r>
             <a:r>
-              <a:rPr lang="en-US" dirty="0" err="1">
+              <a:rPr lang="en-US" err="1">
                 <a:ea typeface="+mn-lt"/>
                 <a:cs typeface="+mn-lt"/>
               </a:rPr>
               <a:t>klienta</a:t>
             </a:r>
             <a:r>
-              <a:rPr lang="en-US" dirty="0">
+              <a:rPr lang="en-US">
                 <a:ea typeface="+mn-lt"/>
                 <a:cs typeface="+mn-lt"/>
               </a:rPr>
               <a:t>.</a:t>
             </a:r>
-            <a:endParaRPr lang="pl-PL" dirty="0">
+            <a:endParaRPr lang="pl-PL">
               <a:ea typeface="+mn-lt"/>
               <a:cs typeface="+mn-lt"/>
             </a:endParaRPr>
@@ -15690,7 +15307,7 @@
               <a:t>Współpraca</a:t>
             </a:r>
             <a:r>
-              <a:rPr lang="en-US" dirty="0">
+              <a:rPr lang="en-US">
                 <a:ea typeface="+mn-lt"/>
                 <a:cs typeface="+mn-lt"/>
               </a:rPr>
@@ -15704,7 +15321,7 @@
               <a:t>specjalistami</a:t>
             </a:r>
             <a:r>
-              <a:rPr lang="en-US" dirty="0">
+              <a:rPr lang="en-US">
                 <a:ea typeface="+mn-lt"/>
                 <a:cs typeface="+mn-lt"/>
               </a:rPr>
@@ -15718,7 +15335,7 @@
               <a:t>infrastruktury</a:t>
             </a:r>
             <a:r>
-              <a:rPr lang="en-US" dirty="0">
+              <a:rPr lang="en-US">
                 <a:ea typeface="+mn-lt"/>
                 <a:cs typeface="+mn-lt"/>
               </a:rPr>
@@ -15732,7 +15349,7 @@
               <a:t>i</a:t>
             </a:r>
             <a:r>
-              <a:rPr lang="en-US" dirty="0">
+              <a:rPr lang="en-US">
                 <a:ea typeface="+mn-lt"/>
                 <a:cs typeface="+mn-lt"/>
               </a:rPr>
@@ -15746,7 +15363,7 @@
               <a:t>dostarczania</a:t>
             </a:r>
             <a:r>
-              <a:rPr lang="en-US" dirty="0">
+              <a:rPr lang="en-US">
                 <a:ea typeface="+mn-lt"/>
                 <a:cs typeface="+mn-lt"/>
               </a:rPr>
@@ -15760,7 +15377,7 @@
               <a:t>sprzętu</a:t>
             </a:r>
             <a:r>
-              <a:rPr lang="en-US" dirty="0">
+              <a:rPr lang="en-US">
                 <a:ea typeface="+mn-lt"/>
                 <a:cs typeface="+mn-lt"/>
               </a:rPr>
@@ -15772,217 +15389,217 @@
               <a:buChar char="•"/>
             </a:pPr>
             <a:r>
-              <a:rPr lang="en-US" b="1" dirty="0">
+              <a:rPr lang="en-US" b="1">
                 <a:ea typeface="+mn-lt"/>
                 <a:cs typeface="+mn-lt"/>
               </a:rPr>
               <a:t> </a:t>
             </a:r>
             <a:r>
-              <a:rPr lang="en-US" b="1" dirty="0" err="1">
+              <a:rPr lang="en-US" b="1" err="1">
                 <a:ea typeface="+mn-lt"/>
                 <a:cs typeface="+mn-lt"/>
               </a:rPr>
               <a:t>Klienci</a:t>
             </a:r>
             <a:r>
-              <a:rPr lang="en-US" b="1" dirty="0">
+              <a:rPr lang="en-US" b="1">
                 <a:ea typeface="+mn-lt"/>
                 <a:cs typeface="+mn-lt"/>
               </a:rPr>
               <a:t> </a:t>
             </a:r>
             <a:r>
-              <a:rPr lang="en-US" b="1" dirty="0" err="1">
+              <a:rPr lang="en-US" b="1" err="1">
                 <a:ea typeface="+mn-lt"/>
                 <a:cs typeface="+mn-lt"/>
               </a:rPr>
               <a:t>Wewnętrzni</a:t>
             </a:r>
             <a:r>
-              <a:rPr lang="en-US" b="1" dirty="0">
+              <a:rPr lang="en-US" b="1">
                 <a:ea typeface="+mn-lt"/>
                 <a:cs typeface="+mn-lt"/>
               </a:rPr>
               <a:t> </a:t>
             </a:r>
             <a:r>
-              <a:rPr lang="en-US" b="1" dirty="0" err="1">
+              <a:rPr lang="en-US" b="1" err="1">
                 <a:ea typeface="+mn-lt"/>
                 <a:cs typeface="+mn-lt"/>
               </a:rPr>
               <a:t>i</a:t>
             </a:r>
             <a:r>
-              <a:rPr lang="en-US" b="1" dirty="0">
+              <a:rPr lang="en-US" b="1">
                 <a:ea typeface="+mn-lt"/>
                 <a:cs typeface="+mn-lt"/>
               </a:rPr>
               <a:t> </a:t>
             </a:r>
             <a:r>
-              <a:rPr lang="en-US" b="1" dirty="0" err="1">
+              <a:rPr lang="en-US" b="1" err="1">
                 <a:ea typeface="+mn-lt"/>
                 <a:cs typeface="+mn-lt"/>
               </a:rPr>
               <a:t>Pracownicy</a:t>
             </a:r>
             <a:r>
-              <a:rPr lang="en-US" b="1" dirty="0">
+              <a:rPr lang="en-US" b="1">
                 <a:ea typeface="+mn-lt"/>
                 <a:cs typeface="+mn-lt"/>
               </a:rPr>
               <a:t> </a:t>
             </a:r>
             <a:r>
-              <a:rPr lang="en-US" b="1" dirty="0" err="1">
+              <a:rPr lang="en-US" b="1" err="1">
                 <a:ea typeface="+mn-lt"/>
                 <a:cs typeface="+mn-lt"/>
               </a:rPr>
               <a:t>Korporacyjni</a:t>
             </a:r>
             <a:r>
-              <a:rPr lang="en-US" b="1" dirty="0">
+              <a:rPr lang="en-US" b="1">
                 <a:ea typeface="+mn-lt"/>
                 <a:cs typeface="+mn-lt"/>
               </a:rPr>
               <a:t>: </a:t>
             </a:r>
             <a:r>
-              <a:rPr lang="en-US" dirty="0" err="1">
+              <a:rPr lang="en-US" err="1">
                 <a:ea typeface="+mn-lt"/>
                 <a:cs typeface="+mn-lt"/>
               </a:rPr>
               <a:t>Nawiązanie</a:t>
             </a:r>
             <a:r>
-              <a:rPr lang="en-US" dirty="0">
+              <a:rPr lang="en-US">
                 <a:ea typeface="+mn-lt"/>
                 <a:cs typeface="+mn-lt"/>
               </a:rPr>
               <a:t> </a:t>
             </a:r>
             <a:r>
-              <a:rPr lang="en-US" dirty="0" err="1">
+              <a:rPr lang="en-US" err="1">
                 <a:ea typeface="+mn-lt"/>
                 <a:cs typeface="+mn-lt"/>
               </a:rPr>
               <a:t>kontaktu</a:t>
             </a:r>
             <a:r>
-              <a:rPr lang="en-US" dirty="0">
+              <a:rPr lang="en-US">
                 <a:ea typeface="+mn-lt"/>
                 <a:cs typeface="+mn-lt"/>
               </a:rPr>
               <a:t> z </a:t>
             </a:r>
             <a:r>
-              <a:rPr lang="en-US" dirty="0" err="1">
+              <a:rPr lang="en-US" err="1">
                 <a:ea typeface="+mn-lt"/>
                 <a:cs typeface="+mn-lt"/>
               </a:rPr>
               <a:t>pracownikami</a:t>
             </a:r>
             <a:r>
-              <a:rPr lang="en-US" dirty="0">
+              <a:rPr lang="en-US">
                 <a:ea typeface="+mn-lt"/>
                 <a:cs typeface="+mn-lt"/>
               </a:rPr>
               <a:t> </a:t>
             </a:r>
             <a:r>
-              <a:rPr lang="en-US" dirty="0" err="1">
+              <a:rPr lang="en-US" err="1">
                 <a:ea typeface="+mn-lt"/>
                 <a:cs typeface="+mn-lt"/>
               </a:rPr>
               <a:t>klienta</a:t>
             </a:r>
             <a:r>
-              <a:rPr lang="en-US" dirty="0">
+              <a:rPr lang="en-US">
                 <a:ea typeface="+mn-lt"/>
                 <a:cs typeface="+mn-lt"/>
               </a:rPr>
               <a:t>, </a:t>
             </a:r>
             <a:r>
-              <a:rPr lang="en-US" dirty="0" err="1">
+              <a:rPr lang="en-US" err="1">
                 <a:ea typeface="+mn-lt"/>
                 <a:cs typeface="+mn-lt"/>
               </a:rPr>
               <a:t>którzy</a:t>
             </a:r>
             <a:r>
-              <a:rPr lang="en-US" dirty="0">
+              <a:rPr lang="en-US">
                 <a:ea typeface="+mn-lt"/>
                 <a:cs typeface="+mn-lt"/>
               </a:rPr>
               <a:t> </a:t>
             </a:r>
             <a:r>
-              <a:rPr lang="en-US" dirty="0" err="1">
+              <a:rPr lang="en-US" err="1">
                 <a:ea typeface="+mn-lt"/>
                 <a:cs typeface="+mn-lt"/>
               </a:rPr>
               <a:t>znają</a:t>
             </a:r>
             <a:r>
-              <a:rPr lang="en-US" dirty="0">
+              <a:rPr lang="en-US">
                 <a:ea typeface="+mn-lt"/>
                 <a:cs typeface="+mn-lt"/>
               </a:rPr>
               <a:t> </a:t>
             </a:r>
             <a:r>
-              <a:rPr lang="en-US" dirty="0" err="1">
+              <a:rPr lang="en-US" err="1">
                 <a:ea typeface="+mn-lt"/>
                 <a:cs typeface="+mn-lt"/>
               </a:rPr>
               <a:t>reguły</a:t>
             </a:r>
             <a:r>
-              <a:rPr lang="en-US" dirty="0">
+              <a:rPr lang="en-US">
                 <a:ea typeface="+mn-lt"/>
                 <a:cs typeface="+mn-lt"/>
               </a:rPr>
               <a:t> </a:t>
             </a:r>
             <a:r>
-              <a:rPr lang="en-US" dirty="0" err="1">
+              <a:rPr lang="en-US" err="1">
                 <a:ea typeface="+mn-lt"/>
                 <a:cs typeface="+mn-lt"/>
               </a:rPr>
               <a:t>i</a:t>
             </a:r>
             <a:r>
-              <a:rPr lang="en-US" dirty="0">
+              <a:rPr lang="en-US">
                 <a:ea typeface="+mn-lt"/>
                 <a:cs typeface="+mn-lt"/>
               </a:rPr>
               <a:t> </a:t>
             </a:r>
             <a:r>
-              <a:rPr lang="en-US" dirty="0" err="1">
+              <a:rPr lang="en-US" err="1">
                 <a:ea typeface="+mn-lt"/>
                 <a:cs typeface="+mn-lt"/>
               </a:rPr>
               <a:t>procesy</a:t>
             </a:r>
             <a:r>
-              <a:rPr lang="en-US" dirty="0">
+              <a:rPr lang="en-US">
                 <a:ea typeface="+mn-lt"/>
                 <a:cs typeface="+mn-lt"/>
               </a:rPr>
               <a:t> </a:t>
             </a:r>
             <a:r>
-              <a:rPr lang="en-US" dirty="0" err="1">
+              <a:rPr lang="en-US" err="1">
                 <a:ea typeface="+mn-lt"/>
                 <a:cs typeface="+mn-lt"/>
               </a:rPr>
               <a:t>organizacji</a:t>
             </a:r>
             <a:r>
-              <a:rPr lang="en-US" dirty="0">
+              <a:rPr lang="en-US">
                 <a:ea typeface="+mn-lt"/>
                 <a:cs typeface="+mn-lt"/>
               </a:rPr>
@@ -15994,189 +15611,189 @@
               <a:buChar char="•"/>
             </a:pPr>
             <a:r>
-              <a:rPr lang="en-US" b="1" dirty="0">
+              <a:rPr lang="en-US" b="1">
                 <a:ea typeface="+mn-lt"/>
                 <a:cs typeface="+mn-lt"/>
               </a:rPr>
               <a:t> </a:t>
             </a:r>
             <a:r>
-              <a:rPr lang="en-US" b="1" dirty="0" err="1">
+              <a:rPr lang="en-US" b="1" err="1">
                 <a:ea typeface="+mn-lt"/>
                 <a:cs typeface="+mn-lt"/>
               </a:rPr>
               <a:t>Osoby</a:t>
             </a:r>
             <a:r>
-              <a:rPr lang="en-US" b="1" dirty="0">
+              <a:rPr lang="en-US" b="1">
                 <a:ea typeface="+mn-lt"/>
                 <a:cs typeface="+mn-lt"/>
               </a:rPr>
               <a:t> ds. </a:t>
             </a:r>
             <a:r>
-              <a:rPr lang="en-US" b="1" dirty="0" err="1">
+              <a:rPr lang="en-US" b="1" err="1">
                 <a:ea typeface="+mn-lt"/>
                 <a:cs typeface="+mn-lt"/>
               </a:rPr>
               <a:t>Integracji</a:t>
             </a:r>
             <a:r>
-              <a:rPr lang="en-US" b="1" dirty="0">
+              <a:rPr lang="en-US" b="1">
                 <a:ea typeface="+mn-lt"/>
                 <a:cs typeface="+mn-lt"/>
               </a:rPr>
               <a:t> </a:t>
             </a:r>
             <a:r>
-              <a:rPr lang="en-US" b="1" dirty="0" err="1">
+              <a:rPr lang="en-US" b="1" err="1">
                 <a:ea typeface="+mn-lt"/>
                 <a:cs typeface="+mn-lt"/>
               </a:rPr>
               <a:t>i</a:t>
             </a:r>
             <a:r>
-              <a:rPr lang="en-US" b="1" dirty="0">
+              <a:rPr lang="en-US" b="1">
                 <a:ea typeface="+mn-lt"/>
                 <a:cs typeface="+mn-lt"/>
               </a:rPr>
               <a:t> </a:t>
             </a:r>
             <a:r>
-              <a:rPr lang="en-US" b="1" dirty="0" err="1">
+              <a:rPr lang="en-US" b="1" err="1">
                 <a:ea typeface="+mn-lt"/>
                 <a:cs typeface="+mn-lt"/>
               </a:rPr>
               <a:t>Istniejących</a:t>
             </a:r>
             <a:r>
-              <a:rPr lang="en-US" b="1" dirty="0">
+              <a:rPr lang="en-US" b="1">
                 <a:ea typeface="+mn-lt"/>
                 <a:cs typeface="+mn-lt"/>
               </a:rPr>
               <a:t> </a:t>
             </a:r>
             <a:r>
-              <a:rPr lang="en-US" b="1" dirty="0" err="1">
+              <a:rPr lang="en-US" b="1" err="1">
                 <a:ea typeface="+mn-lt"/>
                 <a:cs typeface="+mn-lt"/>
               </a:rPr>
               <a:t>Systemów</a:t>
             </a:r>
             <a:r>
-              <a:rPr lang="en-US" b="1" dirty="0">
+              <a:rPr lang="en-US" b="1">
                 <a:ea typeface="+mn-lt"/>
                 <a:cs typeface="+mn-lt"/>
               </a:rPr>
               <a:t>: </a:t>
             </a:r>
             <a:r>
-              <a:rPr lang="en-US" dirty="0" err="1">
+              <a:rPr lang="en-US" err="1">
                 <a:ea typeface="+mn-lt"/>
                 <a:cs typeface="+mn-lt"/>
               </a:rPr>
               <a:t>Współpraca</a:t>
             </a:r>
             <a:r>
-              <a:rPr lang="en-US" dirty="0">
+              <a:rPr lang="en-US">
                 <a:ea typeface="+mn-lt"/>
                 <a:cs typeface="+mn-lt"/>
               </a:rPr>
               <a:t> z </a:t>
             </a:r>
             <a:r>
-              <a:rPr lang="en-US" dirty="0" err="1">
+              <a:rPr lang="en-US" err="1">
                 <a:ea typeface="+mn-lt"/>
                 <a:cs typeface="+mn-lt"/>
               </a:rPr>
               <a:t>ekspertami</a:t>
             </a:r>
             <a:r>
-              <a:rPr lang="en-US" dirty="0">
+              <a:rPr lang="en-US">
                 <a:ea typeface="+mn-lt"/>
                 <a:cs typeface="+mn-lt"/>
               </a:rPr>
               <a:t> </a:t>
             </a:r>
             <a:r>
-              <a:rPr lang="en-US" dirty="0" err="1">
+              <a:rPr lang="en-US" err="1">
                 <a:ea typeface="+mn-lt"/>
                 <a:cs typeface="+mn-lt"/>
               </a:rPr>
               <a:t>odpowiedzialnymi</a:t>
             </a:r>
             <a:r>
-              <a:rPr lang="en-US" dirty="0">
+              <a:rPr lang="en-US">
                 <a:ea typeface="+mn-lt"/>
                 <a:cs typeface="+mn-lt"/>
               </a:rPr>
               <a:t> za </a:t>
             </a:r>
             <a:r>
-              <a:rPr lang="en-US" dirty="0" err="1">
+              <a:rPr lang="en-US" err="1">
                 <a:ea typeface="+mn-lt"/>
                 <a:cs typeface="+mn-lt"/>
               </a:rPr>
               <a:t>integrację</a:t>
             </a:r>
             <a:r>
-              <a:rPr lang="en-US" dirty="0">
+              <a:rPr lang="en-US">
                 <a:ea typeface="+mn-lt"/>
                 <a:cs typeface="+mn-lt"/>
               </a:rPr>
               <a:t> </a:t>
             </a:r>
             <a:r>
-              <a:rPr lang="en-US" dirty="0" err="1">
+              <a:rPr lang="en-US" err="1">
                 <a:ea typeface="+mn-lt"/>
                 <a:cs typeface="+mn-lt"/>
               </a:rPr>
               <a:t>ShopMaster</a:t>
             </a:r>
             <a:r>
-              <a:rPr lang="en-US" dirty="0">
+              <a:rPr lang="en-US">
                 <a:ea typeface="+mn-lt"/>
                 <a:cs typeface="+mn-lt"/>
               </a:rPr>
               <a:t> z </a:t>
             </a:r>
             <a:r>
-              <a:rPr lang="en-US" dirty="0" err="1">
+              <a:rPr lang="en-US" err="1">
                 <a:ea typeface="+mn-lt"/>
                 <a:cs typeface="+mn-lt"/>
               </a:rPr>
               <a:t>istniejącymi</a:t>
             </a:r>
             <a:r>
-              <a:rPr lang="en-US" dirty="0">
+              <a:rPr lang="en-US">
                 <a:ea typeface="+mn-lt"/>
                 <a:cs typeface="+mn-lt"/>
               </a:rPr>
               <a:t> </a:t>
             </a:r>
             <a:r>
-              <a:rPr lang="en-US" dirty="0" err="1">
+              <a:rPr lang="en-US" err="1">
                 <a:ea typeface="+mn-lt"/>
                 <a:cs typeface="+mn-lt"/>
               </a:rPr>
               <a:t>systemami</a:t>
             </a:r>
             <a:r>
-              <a:rPr lang="en-US" dirty="0">
+              <a:rPr lang="en-US">
                 <a:ea typeface="+mn-lt"/>
                 <a:cs typeface="+mn-lt"/>
               </a:rPr>
               <a:t> </a:t>
             </a:r>
             <a:r>
-              <a:rPr lang="en-US" dirty="0" err="1">
+              <a:rPr lang="en-US" err="1">
                 <a:ea typeface="+mn-lt"/>
                 <a:cs typeface="+mn-lt"/>
               </a:rPr>
               <a:t>klienta</a:t>
             </a:r>
             <a:r>
-              <a:rPr lang="en-US" dirty="0">
+              <a:rPr lang="en-US">
                 <a:ea typeface="+mn-lt"/>
                 <a:cs typeface="+mn-lt"/>
               </a:rPr>
@@ -16187,7 +15804,7 @@
             <a:pPr>
               <a:buChar char="•"/>
             </a:pPr>
-            <a:endParaRPr lang="en-US" b="1" dirty="0"/>
+            <a:endParaRPr lang="en-US" b="1"/>
           </a:p>
         </p:txBody>
       </p:sp>
@@ -18734,7 +18351,7 @@
               <a:buChar char="•"/>
             </a:pPr>
             <a:r>
-              <a:rPr lang="pl-PL" sz="2500" b="1">
+              <a:rPr lang="pl-PL" sz="2500" b="1" dirty="0">
                 <a:latin typeface="Times New Roman"/>
                 <a:ea typeface="+mn-lt"/>
                 <a:cs typeface="+mn-lt"/>
@@ -18742,15 +18359,15 @@
               <a:t>Czas Wytworzenia:</a:t>
             </a:r>
             <a:r>
-              <a:rPr lang="pl-PL" sz="2500">
+              <a:rPr lang="pl-PL" sz="2500" dirty="0">
                 <a:latin typeface="Times New Roman"/>
                 <a:ea typeface="+mn-lt"/>
                 <a:cs typeface="+mn-lt"/>
               </a:rPr>
-              <a:t> Projekt </a:t>
-            </a:r>
-            <a:r>
-              <a:rPr lang="pl-PL" sz="2500" err="1">
+              <a:t> Wytwarzanie projektu </a:t>
+            </a:r>
+            <a:r>
+              <a:rPr lang="pl-PL" sz="2500" dirty="0" err="1">
                 <a:latin typeface="Times New Roman"/>
                 <a:ea typeface="+mn-lt"/>
                 <a:cs typeface="+mn-lt"/>
@@ -18758,18 +18375,29 @@
               <a:t>ShopMaster</a:t>
             </a:r>
             <a:r>
-              <a:rPr lang="pl-PL" sz="2500">
+              <a:rPr lang="pl-PL" sz="2500" dirty="0">
                 <a:latin typeface="Times New Roman"/>
                 <a:ea typeface="+mn-lt"/>
                 <a:cs typeface="+mn-lt"/>
               </a:rPr>
-              <a:t> może trwać od 6 do 9 miesięcy, zależnie od dokładnych wymagań.</a:t>
-            </a:r>
-            <a:endParaRPr lang="pl-PL">
-              <a:latin typeface="Times New Roman"/>
-              <a:ea typeface="+mn-lt"/>
-              <a:cs typeface="+mn-lt"/>
-            </a:endParaRPr>
+              <a:t> potrwa około 5 </a:t>
+            </a:r>
+            <a:r>
+              <a:rPr lang="pl-PL" sz="2500" dirty="0" err="1">
+                <a:latin typeface="Times New Roman"/>
+                <a:ea typeface="+mn-lt"/>
+                <a:cs typeface="+mn-lt"/>
+              </a:rPr>
+              <a:t>miesięce</a:t>
+            </a:r>
+            <a:r>
+              <a:rPr lang="pl-PL" sz="2500" dirty="0">
+                <a:latin typeface="Times New Roman"/>
+                <a:ea typeface="+mn-lt"/>
+                <a:cs typeface="+mn-lt"/>
+              </a:rPr>
+              <a:t>.</a:t>
+            </a:r>
           </a:p>
           <a:p>
             <a:pPr marL="285750" indent="-285750">
@@ -18780,7 +18408,7 @@
               <a:buChar char="•"/>
             </a:pPr>
             <a:r>
-              <a:rPr lang="pl-PL" sz="2500" b="1">
+              <a:rPr lang="pl-PL" sz="2500" b="1" dirty="0">
                 <a:latin typeface="Times New Roman"/>
                 <a:ea typeface="+mn-lt"/>
                 <a:cs typeface="+mn-lt"/>
@@ -18788,12 +18416,12 @@
               <a:t>Testowanie:</a:t>
             </a:r>
             <a:r>
-              <a:rPr lang="pl-PL" sz="2500">
+              <a:rPr lang="pl-PL" sz="2500" dirty="0">
                 <a:latin typeface="Times New Roman"/>
                 <a:ea typeface="+mn-lt"/>
                 <a:cs typeface="+mn-lt"/>
               </a:rPr>
-              <a:t> Proces testowania potrwa około 1-2 miesięcy po implementacji.</a:t>
+              <a:t> Proces testowania potrwa około 2 miesięcy podczas ostatniego miesiąca wytwarzania.</a:t>
             </a:r>
             <a:endParaRPr lang="pl-PL">
               <a:latin typeface="Times New Roman"/>
@@ -18802,43 +18430,13 @@
             </a:endParaRPr>
           </a:p>
           <a:p>
-            <a:pPr marL="285750" indent="-285750">
-              <a:lnSpc>
-                <a:spcPct val="100000"/>
-              </a:lnSpc>
-              <a:buFont typeface="Arial"/>
-              <a:buChar char="•"/>
-            </a:pPr>
-            <a:r>
-              <a:rPr lang="pl-PL" sz="2500" b="1">
-                <a:latin typeface="Times New Roman"/>
-                <a:ea typeface="+mn-lt"/>
-                <a:cs typeface="+mn-lt"/>
-              </a:rPr>
-              <a:t>Szkolenie:</a:t>
-            </a:r>
-            <a:r>
-              <a:rPr lang="pl-PL" sz="2500">
-                <a:latin typeface="Times New Roman"/>
-                <a:ea typeface="+mn-lt"/>
-                <a:cs typeface="+mn-lt"/>
-              </a:rPr>
-              <a:t> Szkolenie użytkowników zajmie od 2 do 4 miesięcy.</a:t>
-            </a:r>
-            <a:endParaRPr lang="pl-PL">
-              <a:latin typeface="Times New Roman"/>
-              <a:ea typeface="+mn-lt"/>
-              <a:cs typeface="+mn-lt"/>
-            </a:endParaRPr>
-          </a:p>
-          <a:p>
             <a:pPr>
               <a:lnSpc>
                 <a:spcPct val="100000"/>
               </a:lnSpc>
             </a:pPr>
             <a:r>
-              <a:rPr lang="pl-PL" sz="2500">
+              <a:rPr lang="pl-PL" sz="2500" dirty="0">
                 <a:latin typeface="Times New Roman"/>
                 <a:ea typeface="+mn-lt"/>
                 <a:cs typeface="+mn-lt"/>
@@ -19668,26 +19266,6 @@
 </file>
 
 <file path=customXml/item1.xml><?xml version="1.0" encoding="utf-8"?>
-<p:properties xmlns:p="http://schemas.microsoft.com/office/2006/metadata/properties" xmlns:xsi="http://www.w3.org/2001/XMLSchema-instance" xmlns:pc="http://schemas.microsoft.com/office/infopath/2007/PartnerControls">
-  <documentManagement>
-    <_ip_UnifiedCompliancePolicyUIAction xmlns="http://schemas.microsoft.com/sharepoint/v3" xsi:nil="true"/>
-    <Image xmlns="71af3243-3dd4-4a8d-8c0d-dd76da1f02a5">
-      <Url xsi:nil="true"/>
-      <Description xsi:nil="true"/>
-    </Image>
-    <Status xmlns="71af3243-3dd4-4a8d-8c0d-dd76da1f02a5">Not started</Status>
-    <Background xmlns="71af3243-3dd4-4a8d-8c0d-dd76da1f02a5">false</Background>
-    <_ip_UnifiedCompliancePolicyProperties xmlns="http://schemas.microsoft.com/sharepoint/v3" xsi:nil="true"/>
-    <ImageTagsTaxHTField xmlns="71af3243-3dd4-4a8d-8c0d-dd76da1f02a5">
-      <Terms xmlns="http://schemas.microsoft.com/office/infopath/2007/PartnerControls"/>
-    </ImageTagsTaxHTField>
-    <TaxCatchAll xmlns="230e9df3-be65-4c73-a93b-d1236ebd677e" xsi:nil="true"/>
-    <MediaServiceKeyPoints xmlns="71af3243-3dd4-4a8d-8c0d-dd76da1f02a5" xsi:nil="true"/>
-  </documentManagement>
-</p:properties>
-</file>
-
-<file path=customXml/item2.xml><?xml version="1.0" encoding="utf-8"?>
 <ct:contentTypeSchema xmlns:ct="http://schemas.microsoft.com/office/2006/metadata/contentType" xmlns:ma="http://schemas.microsoft.com/office/2006/metadata/properties/metaAttributes" ct:_="" ma:_="" ma:contentTypeName="Document" ma:contentTypeID="0x01010079F111ED35F8CC479449609E8A0923A6" ma:contentTypeVersion="28" ma:contentTypeDescription="Create a new document." ma:contentTypeScope="" ma:versionID="60f5a4f2d2b0abadcf532d48ebf9cb71">
   <xsd:schema xmlns:xsd="http://www.w3.org/2001/XMLSchema" xmlns:xs="http://www.w3.org/2001/XMLSchema" xmlns:p="http://schemas.microsoft.com/office/2006/metadata/properties" xmlns:ns1="http://schemas.microsoft.com/sharepoint/v3" xmlns:ns2="71af3243-3dd4-4a8d-8c0d-dd76da1f02a5" xmlns:ns3="16c05727-aa75-4e4a-9b5f-8a80a1165891" xmlns:ns4="230e9df3-be65-4c73-a93b-d1236ebd677e" targetNamespace="http://schemas.microsoft.com/office/2006/metadata/properties" ma:root="true" ma:fieldsID="7dd78129e6a1811f84807ad11c651531" ns1:_="" ns2:_="" ns3:_="" ns4:_="">
     <xsd:import namespace="http://schemas.microsoft.com/sharepoint/v3"/>
@@ -19999,6 +19577,26 @@
 </ct:contentTypeSchema>
 </file>
 
+<file path=customXml/item2.xml><?xml version="1.0" encoding="utf-8"?>
+<p:properties xmlns:p="http://schemas.microsoft.com/office/2006/metadata/properties" xmlns:xsi="http://www.w3.org/2001/XMLSchema-instance" xmlns:pc="http://schemas.microsoft.com/office/infopath/2007/PartnerControls">
+  <documentManagement>
+    <_ip_UnifiedCompliancePolicyUIAction xmlns="http://schemas.microsoft.com/sharepoint/v3" xsi:nil="true"/>
+    <Image xmlns="71af3243-3dd4-4a8d-8c0d-dd76da1f02a5">
+      <Url xsi:nil="true"/>
+      <Description xsi:nil="true"/>
+    </Image>
+    <Status xmlns="71af3243-3dd4-4a8d-8c0d-dd76da1f02a5">Not started</Status>
+    <Background xmlns="71af3243-3dd4-4a8d-8c0d-dd76da1f02a5">false</Background>
+    <_ip_UnifiedCompliancePolicyProperties xmlns="http://schemas.microsoft.com/sharepoint/v3" xsi:nil="true"/>
+    <ImageTagsTaxHTField xmlns="71af3243-3dd4-4a8d-8c0d-dd76da1f02a5">
+      <Terms xmlns="http://schemas.microsoft.com/office/infopath/2007/PartnerControls"/>
+    </ImageTagsTaxHTField>
+    <TaxCatchAll xmlns="230e9df3-be65-4c73-a93b-d1236ebd677e" xsi:nil="true"/>
+    <MediaServiceKeyPoints xmlns="71af3243-3dd4-4a8d-8c0d-dd76da1f02a5" xsi:nil="true"/>
+  </documentManagement>
+</p:properties>
+</file>
+
 <file path=customXml/item3.xml><?xml version="1.0" encoding="utf-8"?>
 <?mso-contentType ?>
 <FormTemplates xmlns="http://schemas.microsoft.com/sharepoint/v3/contenttype/forms">
@@ -20009,18 +19607,6 @@
 </file>
 
 <file path=customXml/itemProps1.xml><?xml version="1.0" encoding="utf-8"?>
-<ds:datastoreItem xmlns:ds="http://schemas.openxmlformats.org/officeDocument/2006/customXml" ds:itemID="{A67C85D3-E1B0-48EA-A2F6-DA9FB4557ED6}">
-  <ds:schemaRefs>
-    <ds:schemaRef ds:uri="230e9df3-be65-4c73-a93b-d1236ebd677e"/>
-    <ds:schemaRef ds:uri="71af3243-3dd4-4a8d-8c0d-dd76da1f02a5"/>
-    <ds:schemaRef ds:uri="http://schemas.microsoft.com/office/2006/metadata/properties"/>
-    <ds:schemaRef ds:uri="http://schemas.microsoft.com/office/infopath/2007/PartnerControls"/>
-    <ds:schemaRef ds:uri="http://schemas.microsoft.com/sharepoint/v3"/>
-  </ds:schemaRefs>
-</ds:datastoreItem>
-</file>
-
-<file path=customXml/itemProps2.xml><?xml version="1.0" encoding="utf-8"?>
 <ds:datastoreItem xmlns:ds="http://schemas.openxmlformats.org/officeDocument/2006/customXml" ds:itemID="{1C77436F-42F2-41E9-9282-E446F3495B0C}">
   <ds:schemaRefs>
     <ds:schemaRef ds:uri="16c05727-aa75-4e4a-9b5f-8a80a1165891"/>
@@ -20041,6 +19627,18 @@
 </ds:datastoreItem>
 </file>
 
+<file path=customXml/itemProps2.xml><?xml version="1.0" encoding="utf-8"?>
+<ds:datastoreItem xmlns:ds="http://schemas.openxmlformats.org/officeDocument/2006/customXml" ds:itemID="{A67C85D3-E1B0-48EA-A2F6-DA9FB4557ED6}">
+  <ds:schemaRefs>
+    <ds:schemaRef ds:uri="230e9df3-be65-4c73-a93b-d1236ebd677e"/>
+    <ds:schemaRef ds:uri="71af3243-3dd4-4a8d-8c0d-dd76da1f02a5"/>
+    <ds:schemaRef ds:uri="http://schemas.microsoft.com/office/2006/metadata/properties"/>
+    <ds:schemaRef ds:uri="http://schemas.microsoft.com/office/infopath/2007/PartnerControls"/>
+    <ds:schemaRef ds:uri="http://schemas.microsoft.com/sharepoint/v3"/>
+  </ds:schemaRefs>
+</ds:datastoreItem>
+</file>
+
 <file path=customXml/itemProps3.xml><?xml version="1.0" encoding="utf-8"?>
 <ds:datastoreItem xmlns:ds="http://schemas.openxmlformats.org/officeDocument/2006/customXml" ds:itemID="{06CD4483-E2BE-4485-902E-2668496694DC}">
   <ds:schemaRefs>
